--- a/计算机课程/关键阶段四/八年级/U6 - Python编程入门/L2 - 处理数据/L2 - Python编程入门 - 八年级.pptx
+++ b/计算机课程/关键阶段四/八年级/U6 - Python编程入门/L2 - 处理数据/L2 - Python编程入门 - 八年级.pptx
@@ -12359,7 +12359,7 @@
               <a:buNone/>
             </a:pPr>
             <a:r>
-              <a:rPr lang="en-GB">
+              <a:rPr lang="en-GB" dirty="0">
                 <a:latin typeface="Segoe UI" panose="020B0502040204020203" pitchFamily="34" charset="0"/>
                 <a:ea typeface="等线" panose="02010600030101010101" pitchFamily="2" charset="-122"/>
                 <a:cs typeface="Roboto Mono"/>
@@ -12367,7 +12367,7 @@
               </a:rPr>
               <a:t>days = 7 * 31 + 4 * 30 + 28</a:t>
             </a:r>
-            <a:endParaRPr>
+            <a:endParaRPr dirty="0">
               <a:latin typeface="Segoe UI" panose="020B0502040204020203" pitchFamily="34" charset="0"/>
               <a:ea typeface="等线" panose="02010600030101010101" pitchFamily="2" charset="-122"/>
               <a:cs typeface="Roboto Mono"/>
@@ -12388,7 +12388,7 @@
               <a:buNone/>
             </a:pPr>
             <a:r>
-              <a:rPr lang="en-GB">
+              <a:rPr lang="en-GB" dirty="0">
                 <a:latin typeface="Segoe UI" panose="020B0502040204020203" pitchFamily="34" charset="0"/>
                 <a:ea typeface="等线" panose="02010600030101010101" pitchFamily="2" charset="-122"/>
                 <a:cs typeface="Roboto Mono"/>
@@ -12396,7 +12396,7 @@
               </a:rPr>
               <a:t>quad = 4 * days + 1</a:t>
             </a:r>
-            <a:endParaRPr>
+            <a:endParaRPr dirty="0">
               <a:latin typeface="Segoe UI" panose="020B0502040204020203" pitchFamily="34" charset="0"/>
               <a:ea typeface="等线" panose="02010600030101010101" pitchFamily="2" charset="-122"/>
               <a:cs typeface="Roboto Mono"/>
@@ -12404,28 +12404,48 @@
             </a:endParaRPr>
           </a:p>
           <a:p>
-            <a:pPr marL="0" lvl="0" indent="0" algn="l" rtl="0">
+            <a:pPr lvl="0">
               <a:lnSpc>
                 <a:spcPct val="115000"/>
               </a:lnSpc>
-              <a:spcBef>
-                <a:spcPts val="0"/>
-              </a:spcBef>
-              <a:spcAft>
-                <a:spcPts val="0"/>
-              </a:spcAft>
-              <a:buNone/>
             </a:pPr>
             <a:r>
-              <a:rPr lang="en-GB">
+              <a:rPr lang="en-GB" dirty="0">
                 <a:latin typeface="Segoe UI" panose="020B0502040204020203" pitchFamily="34" charset="0"/>
                 <a:ea typeface="等线" panose="02010600030101010101" pitchFamily="2" charset="-122"/>
                 <a:cs typeface="Roboto Mono"/>
                 <a:sym typeface="Roboto Mono"/>
               </a:rPr>
-              <a:t>print(quad, "days in four years")</a:t>
-            </a:r>
-            <a:endParaRPr>
+              <a:t>print(quad</a:t>
+            </a:r>
+            <a:r>
+              <a:rPr lang="en-GB">
+                <a:latin typeface="Segoe UI" panose="020B0502040204020203" pitchFamily="34" charset="0"/>
+                <a:ea typeface="等线" panose="02010600030101010101" pitchFamily="2" charset="-122"/>
+                <a:cs typeface="Roboto Mono"/>
+                <a:sym typeface="Roboto Mono"/>
+              </a:rPr>
+              <a:t>, "</a:t>
+            </a:r>
+            <a:r>
+              <a:rPr lang="zh-CN" altLang="en-US">
+                <a:latin typeface="Segoe UI" panose="020B0502040204020203" pitchFamily="34" charset="0"/>
+                <a:ea typeface="等线" panose="02010600030101010101" pitchFamily="2" charset="-122"/>
+                <a:cs typeface="Roboto Mono"/>
+                <a:sym typeface="Roboto Mono"/>
+              </a:rPr>
+              <a:t>四年中的天数</a:t>
+            </a:r>
+            <a:r>
+              <a:rPr lang="en-GB">
+                <a:latin typeface="Segoe UI" panose="020B0502040204020203" pitchFamily="34" charset="0"/>
+                <a:ea typeface="等线" panose="02010600030101010101" pitchFamily="2" charset="-122"/>
+                <a:cs typeface="Roboto Mono"/>
+                <a:sym typeface="Roboto Mono"/>
+              </a:rPr>
+              <a:t>")</a:t>
+            </a:r>
+            <a:endParaRPr dirty="0">
               <a:latin typeface="Segoe UI" panose="020B0502040204020203" pitchFamily="34" charset="0"/>
               <a:ea typeface="等线" panose="02010600030101010101" pitchFamily="2" charset="-122"/>
               <a:cs typeface="Roboto Mono"/>
@@ -12579,7 +12599,7 @@
         </p:nvSpPr>
         <p:spPr>
           <a:xfrm>
-            <a:off x="310900" y="310900"/>
+            <a:off x="291399" y="312575"/>
             <a:ext cx="8522100" cy="706800"/>
           </a:xfrm>
           <a:prstGeom prst="rect">
@@ -12596,28 +12616,20 @@
           </a:bodyPr>
           <a:lstStyle/>
           <a:p>
-            <a:pPr marL="0" lvl="0" indent="0" algn="l" rtl="0">
-              <a:spcBef>
-                <a:spcPts val="0"/>
-              </a:spcBef>
-              <a:spcAft>
-                <a:spcPts val="0"/>
-              </a:spcAft>
-              <a:buNone/>
-            </a:pPr>
-            <a:r>
-              <a:rPr lang="en-GB" sz="2400" b="1">
-                <a:solidFill>
-                  <a:schemeClr val="dk1"/>
-                </a:solidFill>
-                <a:latin typeface="Segoe UI" panose="020B0502040204020203" pitchFamily="34" charset="0"/>
-                <a:ea typeface="等线" panose="02010600030101010101" pitchFamily="2" charset="-122"/>
-                <a:cs typeface="Quicksand"/>
-                <a:sym typeface="Quicksand"/>
-              </a:rPr>
-              <a:t>The machine</a:t>
-            </a:r>
-            <a:endParaRPr sz="2400" b="1">
+            <a:pPr lvl="0"/>
+            <a:r>
+              <a:rPr lang="zh-CN" altLang="en-US" sz="2400" b="1" dirty="0">
+                <a:solidFill>
+                  <a:schemeClr val="dk1"/>
+                </a:solidFill>
+                <a:latin typeface="Segoe UI" panose="020B0502040204020203" pitchFamily="34" charset="0"/>
+                <a:ea typeface="等线" panose="02010600030101010101" pitchFamily="2" charset="-122"/>
+                <a:cs typeface="Quicksand"/>
+                <a:sym typeface="Quicksand"/>
+              </a:rPr>
+              <a:t>机器</a:t>
+            </a:r>
+            <a:endParaRPr lang="en-US" altLang="zh-CN" sz="2400" b="1" dirty="0">
               <a:solidFill>
                 <a:schemeClr val="dk1"/>
               </a:solidFill>
@@ -12628,28 +12640,20 @@
             </a:endParaRPr>
           </a:p>
           <a:p>
-            <a:pPr marL="0" lvl="0" indent="0" algn="l" rtl="0">
-              <a:spcBef>
-                <a:spcPts val="0"/>
-              </a:spcBef>
-              <a:spcAft>
-                <a:spcPts val="0"/>
-              </a:spcAft>
-              <a:buNone/>
-            </a:pPr>
-            <a:r>
-              <a:rPr lang="en-GB" sz="1800">
-                <a:solidFill>
-                  <a:schemeClr val="dk1"/>
-                </a:solidFill>
-                <a:latin typeface="Segoe UI" panose="020B0502040204020203" pitchFamily="34" charset="0"/>
-                <a:ea typeface="等线" panose="02010600030101010101" pitchFamily="2" charset="-122"/>
-                <a:cs typeface="Quicksand"/>
-                <a:sym typeface="Quicksand"/>
-              </a:rPr>
-              <a:t>executes the code</a:t>
-            </a:r>
-            <a:endParaRPr sz="1800">
+            <a:pPr lvl="0"/>
+            <a:r>
+              <a:rPr lang="zh-CN" altLang="en-US" sz="1800" dirty="0">
+                <a:solidFill>
+                  <a:schemeClr val="dk1"/>
+                </a:solidFill>
+                <a:latin typeface="Segoe UI" panose="020B0502040204020203" pitchFamily="34" charset="0"/>
+                <a:ea typeface="等线" panose="02010600030101010101" pitchFamily="2" charset="-122"/>
+                <a:cs typeface="Quicksand"/>
+                <a:sym typeface="Quicksand"/>
+              </a:rPr>
+              <a:t>执行代码</a:t>
+            </a:r>
+            <a:endParaRPr sz="1800" dirty="0">
               <a:solidFill>
                 <a:schemeClr val="dk1"/>
               </a:solidFill>
@@ -12870,7 +12874,7 @@
               <a:buNone/>
             </a:pPr>
             <a:r>
-              <a:rPr lang="en-GB">
+              <a:rPr lang="en-GB" dirty="0">
                 <a:solidFill>
                   <a:srgbClr val="FFFFFF"/>
                 </a:solidFill>
@@ -12882,13 +12886,43 @@
                 <a:cs typeface="Quicksand"/>
                 <a:sym typeface="Quicksand"/>
               </a:rPr>
-              <a:t> Current instruction </a:t>
-            </a:r>
-            <a:r>
-              <a:rPr lang="en-GB">
+              <a:t> </a:t>
+            </a:r>
+            <a:r>
+              <a:rPr lang="zh-CN" altLang="en-US" dirty="0">
                 <a:solidFill>
                   <a:srgbClr val="FFFFFF"/>
                 </a:solidFill>
+                <a:highlight>
+                  <a:schemeClr val="dk1"/>
+                </a:highlight>
+                <a:latin typeface="Segoe UI" panose="020B0502040204020203" pitchFamily="34" charset="0"/>
+                <a:ea typeface="等线" panose="02010600030101010101" pitchFamily="2" charset="-122"/>
+                <a:cs typeface="Quicksand"/>
+                <a:sym typeface="Quicksand"/>
+              </a:rPr>
+              <a:t>当前指令</a:t>
+            </a:r>
+            <a:r>
+              <a:rPr lang="en-GB" dirty="0">
+                <a:solidFill>
+                  <a:srgbClr val="FFFFFF"/>
+                </a:solidFill>
+                <a:highlight>
+                  <a:schemeClr val="dk1"/>
+                </a:highlight>
+                <a:latin typeface="Segoe UI" panose="020B0502040204020203" pitchFamily="34" charset="0"/>
+                <a:ea typeface="等线" panose="02010600030101010101" pitchFamily="2" charset="-122"/>
+                <a:cs typeface="Quicksand"/>
+                <a:sym typeface="Quicksand"/>
+              </a:rPr>
+              <a:t> </a:t>
+            </a:r>
+            <a:r>
+              <a:rPr lang="en-GB" dirty="0">
+                <a:solidFill>
+                  <a:srgbClr val="FFFFFF"/>
+                </a:solidFill>
                 <a:latin typeface="Segoe UI" panose="020B0502040204020203" pitchFamily="34" charset="0"/>
                 <a:ea typeface="等线" panose="02010600030101010101" pitchFamily="2" charset="-122"/>
                 <a:cs typeface="Quicksand"/>
@@ -12897,7 +12931,7 @@
               <a:t>.</a:t>
             </a:r>
             <a:r>
-              <a:rPr lang="en-GB">
+              <a:rPr lang="en-GB" dirty="0">
                 <a:solidFill>
                   <a:srgbClr val="5B5BA5"/>
                 </a:solidFill>
@@ -12908,7 +12942,7 @@
               </a:rPr>
               <a:t> </a:t>
             </a:r>
-            <a:endParaRPr>
+            <a:endParaRPr dirty="0">
               <a:solidFill>
                 <a:srgbClr val="5B5BA5"/>
               </a:solidFill>
@@ -12958,7 +12992,7 @@
               <a:buNone/>
             </a:pPr>
             <a:r>
-              <a:rPr lang="en-GB">
+              <a:rPr lang="en-GB" dirty="0">
                 <a:solidFill>
                   <a:srgbClr val="FFFFFF"/>
                 </a:solidFill>
@@ -12970,13 +13004,43 @@
                 <a:cs typeface="Quicksand"/>
                 <a:sym typeface="Quicksand"/>
               </a:rPr>
-              <a:t> State </a:t>
-            </a:r>
-            <a:r>
-              <a:rPr lang="en-GB">
+              <a:t> </a:t>
+            </a:r>
+            <a:r>
+              <a:rPr lang="zh-CN" altLang="en-US" dirty="0">
                 <a:solidFill>
                   <a:srgbClr val="FFFFFF"/>
                 </a:solidFill>
+                <a:highlight>
+                  <a:schemeClr val="dk1"/>
+                </a:highlight>
+                <a:latin typeface="Segoe UI" panose="020B0502040204020203" pitchFamily="34" charset="0"/>
+                <a:ea typeface="等线" panose="02010600030101010101" pitchFamily="2" charset="-122"/>
+                <a:cs typeface="Quicksand"/>
+                <a:sym typeface="Quicksand"/>
+              </a:rPr>
+              <a:t>状态</a:t>
+            </a:r>
+            <a:r>
+              <a:rPr lang="en-GB" dirty="0">
+                <a:solidFill>
+                  <a:srgbClr val="FFFFFF"/>
+                </a:solidFill>
+                <a:highlight>
+                  <a:schemeClr val="dk1"/>
+                </a:highlight>
+                <a:latin typeface="Segoe UI" panose="020B0502040204020203" pitchFamily="34" charset="0"/>
+                <a:ea typeface="等线" panose="02010600030101010101" pitchFamily="2" charset="-122"/>
+                <a:cs typeface="Quicksand"/>
+                <a:sym typeface="Quicksand"/>
+              </a:rPr>
+              <a:t> </a:t>
+            </a:r>
+            <a:r>
+              <a:rPr lang="en-GB" dirty="0">
+                <a:solidFill>
+                  <a:srgbClr val="FFFFFF"/>
+                </a:solidFill>
                 <a:latin typeface="Segoe UI" panose="020B0502040204020203" pitchFamily="34" charset="0"/>
                 <a:ea typeface="等线" panose="02010600030101010101" pitchFamily="2" charset="-122"/>
                 <a:cs typeface="Quicksand"/>
@@ -12985,7 +13049,7 @@
               <a:t>.</a:t>
             </a:r>
             <a:r>
-              <a:rPr lang="en-GB">
+              <a:rPr lang="en-GB" dirty="0">
                 <a:solidFill>
                   <a:srgbClr val="5B5BA5"/>
                 </a:solidFill>
@@ -12996,7 +13060,7 @@
               </a:rPr>
               <a:t> </a:t>
             </a:r>
-            <a:endParaRPr>
+            <a:endParaRPr dirty="0">
               <a:solidFill>
                 <a:srgbClr val="5B5BA5"/>
               </a:solidFill>
@@ -13046,7 +13110,7 @@
               <a:buNone/>
             </a:pPr>
             <a:r>
-              <a:rPr lang="en-GB">
+              <a:rPr lang="en-GB" dirty="0">
                 <a:solidFill>
                   <a:srgbClr val="FFFFFF"/>
                 </a:solidFill>
@@ -13058,13 +13122,43 @@
                 <a:cs typeface="Quicksand"/>
                 <a:sym typeface="Quicksand"/>
               </a:rPr>
-              <a:t> Output </a:t>
-            </a:r>
-            <a:r>
-              <a:rPr lang="en-GB">
+              <a:t> </a:t>
+            </a:r>
+            <a:r>
+              <a:rPr lang="zh-CN" altLang="en-US" dirty="0">
                 <a:solidFill>
                   <a:srgbClr val="FFFFFF"/>
                 </a:solidFill>
+                <a:highlight>
+                  <a:schemeClr val="dk1"/>
+                </a:highlight>
+                <a:latin typeface="Segoe UI" panose="020B0502040204020203" pitchFamily="34" charset="0"/>
+                <a:ea typeface="等线" panose="02010600030101010101" pitchFamily="2" charset="-122"/>
+                <a:cs typeface="Quicksand"/>
+                <a:sym typeface="Quicksand"/>
+              </a:rPr>
+              <a:t>输出</a:t>
+            </a:r>
+            <a:r>
+              <a:rPr lang="en-GB" dirty="0">
+                <a:solidFill>
+                  <a:srgbClr val="FFFFFF"/>
+                </a:solidFill>
+                <a:highlight>
+                  <a:schemeClr val="dk1"/>
+                </a:highlight>
+                <a:latin typeface="Segoe UI" panose="020B0502040204020203" pitchFamily="34" charset="0"/>
+                <a:ea typeface="等线" panose="02010600030101010101" pitchFamily="2" charset="-122"/>
+                <a:cs typeface="Quicksand"/>
+                <a:sym typeface="Quicksand"/>
+              </a:rPr>
+              <a:t> </a:t>
+            </a:r>
+            <a:r>
+              <a:rPr lang="en-GB" dirty="0">
+                <a:solidFill>
+                  <a:srgbClr val="FFFFFF"/>
+                </a:solidFill>
                 <a:latin typeface="Segoe UI" panose="020B0502040204020203" pitchFamily="34" charset="0"/>
                 <a:ea typeface="等线" panose="02010600030101010101" pitchFamily="2" charset="-122"/>
                 <a:cs typeface="Quicksand"/>
@@ -13073,7 +13167,7 @@
               <a:t>.</a:t>
             </a:r>
             <a:r>
-              <a:rPr lang="en-GB">
+              <a:rPr lang="en-GB" dirty="0">
                 <a:solidFill>
                   <a:srgbClr val="5B5BA5"/>
                 </a:solidFill>
@@ -13084,7 +13178,7 @@
               </a:rPr>
               <a:t> </a:t>
             </a:r>
-            <a:endParaRPr>
+            <a:endParaRPr dirty="0">
               <a:solidFill>
                 <a:srgbClr val="5B5BA5"/>
               </a:solidFill>
@@ -13121,31 +13215,24 @@
           </a:bodyPr>
           <a:lstStyle/>
           <a:p>
-            <a:pPr marL="0" lvl="0" indent="0" algn="l" rtl="0">
+            <a:pPr lvl="0">
               <a:lnSpc>
                 <a:spcPct val="114000"/>
               </a:lnSpc>
-              <a:spcBef>
-                <a:spcPts val="0"/>
-              </a:spcBef>
-              <a:spcAft>
-                <a:spcPts val="0"/>
-              </a:spcAft>
-              <a:buNone/>
             </a:pPr>
             <a:r>
-              <a:rPr lang="en-GB">
-                <a:solidFill>
-                  <a:schemeClr val="dk1"/>
-                </a:solidFill>
-                <a:latin typeface="Segoe UI" panose="020B0502040204020203" pitchFamily="34" charset="0"/>
-                <a:ea typeface="等线" panose="02010600030101010101" pitchFamily="2" charset="-122"/>
-                <a:cs typeface="Quicksand"/>
-                <a:sym typeface="Quicksand"/>
-              </a:rPr>
-              <a:t>Evaluate the expression</a:t>
-            </a:r>
-            <a:endParaRPr>
+              <a:rPr lang="zh-CN" altLang="en-US" dirty="0">
+                <a:solidFill>
+                  <a:schemeClr val="dk1"/>
+                </a:solidFill>
+                <a:latin typeface="Segoe UI" panose="020B0502040204020203" pitchFamily="34" charset="0"/>
+                <a:ea typeface="等线" panose="02010600030101010101" pitchFamily="2" charset="-122"/>
+                <a:cs typeface="Quicksand"/>
+                <a:sym typeface="Quicksand"/>
+              </a:rPr>
+              <a:t>计算表达式</a:t>
+            </a:r>
+            <a:endParaRPr dirty="0">
               <a:solidFill>
                 <a:srgbClr val="5B5BA5"/>
               </a:solidFill>
@@ -13165,10 +13252,10 @@
         </p:nvGrpSpPr>
         <p:grpSpPr>
           <a:xfrm>
-            <a:off x="4724400" y="2203511"/>
-            <a:ext cx="3564900" cy="363300"/>
-            <a:chOff x="5257800" y="2279900"/>
-            <a:chExt cx="3564900" cy="363300"/>
+            <a:off x="4818861" y="2203700"/>
+            <a:ext cx="3803589" cy="363300"/>
+            <a:chOff x="5352261" y="2280089"/>
+            <a:chExt cx="3803589" cy="363300"/>
           </a:xfrm>
         </p:grpSpPr>
         <p:sp>
@@ -13179,7 +13266,7 @@
           </p:nvSpPr>
           <p:spPr>
             <a:xfrm>
-              <a:off x="5257800" y="2279900"/>
+              <a:off x="5590950" y="2280089"/>
               <a:ext cx="3564900" cy="363300"/>
             </a:xfrm>
             <a:prstGeom prst="rect">
@@ -13196,20 +13283,13 @@
             </a:bodyPr>
             <a:lstStyle/>
             <a:p>
-              <a:pPr marL="0" lvl="0" indent="0" algn="l" rtl="0">
+              <a:pPr lvl="0">
                 <a:lnSpc>
                   <a:spcPct val="114000"/>
                 </a:lnSpc>
-                <a:spcBef>
-                  <a:spcPts val="0"/>
-                </a:spcBef>
-                <a:spcAft>
-                  <a:spcPts val="0"/>
-                </a:spcAft>
-                <a:buNone/>
               </a:pPr>
               <a:r>
-                <a:rPr lang="en-GB">
+                <a:rPr lang="zh-CN" altLang="en-US" dirty="0">
                   <a:solidFill>
                     <a:schemeClr val="dk1"/>
                   </a:solidFill>
@@ -13218,9 +13298,9 @@
                   <a:cs typeface="Quicksand"/>
                   <a:sym typeface="Quicksand"/>
                 </a:rPr>
-                <a:t>     Calculate the days in a year.</a:t>
+                <a:t>计算一年中的天数。</a:t>
               </a:r>
-              <a:endParaRPr>
+              <a:endParaRPr dirty="0">
                 <a:solidFill>
                   <a:schemeClr val="dk1"/>
                 </a:solidFill>
@@ -13322,44 +13402,25 @@
           </a:bodyPr>
           <a:lstStyle/>
           <a:p>
-            <a:pPr marL="0" lvl="0" indent="0" algn="l" rtl="0">
+            <a:pPr lvl="0">
               <a:lnSpc>
                 <a:spcPct val="114000"/>
               </a:lnSpc>
-              <a:spcBef>
-                <a:spcPts val="0"/>
-              </a:spcBef>
-              <a:spcAft>
-                <a:spcPts val="0"/>
-              </a:spcAft>
-              <a:buNone/>
             </a:pPr>
             <a:r>
-              <a:rPr lang="en-GB">
-                <a:solidFill>
-                  <a:schemeClr val="dk1"/>
-                </a:solidFill>
-                <a:latin typeface="Segoe UI" panose="020B0502040204020203" pitchFamily="34" charset="0"/>
-                <a:ea typeface="等线" panose="02010600030101010101" pitchFamily="2" charset="-122"/>
-                <a:cs typeface="Quicksand"/>
-                <a:sym typeface="Quicksand"/>
-              </a:rPr>
-              <a:t>and assign the value to </a:t>
-            </a:r>
-            <a:r>
-              <a:rPr lang="en-GB">
-                <a:solidFill>
-                  <a:schemeClr val="dk1"/>
-                </a:solidFill>
-                <a:latin typeface="Segoe UI" panose="020B0502040204020203" pitchFamily="34" charset="0"/>
-                <a:ea typeface="等线" panose="02010600030101010101" pitchFamily="2" charset="-122"/>
-                <a:cs typeface="Roboto Mono"/>
-                <a:sym typeface="Roboto Mono"/>
-              </a:rPr>
-              <a:t>days</a:t>
-            </a:r>
-            <a:r>
-              <a:rPr lang="en-GB">
+              <a:rPr lang="zh-CN" altLang="en-US" dirty="0">
+                <a:solidFill>
+                  <a:schemeClr val="dk1"/>
+                </a:solidFill>
+                <a:latin typeface="Segoe UI" panose="020B0502040204020203" pitchFamily="34" charset="0"/>
+                <a:ea typeface="等线" panose="02010600030101010101" pitchFamily="2" charset="-122"/>
+                <a:cs typeface="Quicksand"/>
+                <a:sym typeface="Quicksand"/>
+              </a:rPr>
+              <a:t>并将值赋给天数</a:t>
+            </a:r>
+            <a:r>
+              <a:rPr lang="en-GB" dirty="0">
                 <a:solidFill>
                   <a:schemeClr val="dk1"/>
                 </a:solidFill>
@@ -13370,7 +13431,7 @@
               </a:rPr>
               <a:t>.</a:t>
             </a:r>
-            <a:endParaRPr>
+            <a:endParaRPr dirty="0">
               <a:solidFill>
                 <a:schemeClr val="dk1"/>
               </a:solidFill>
@@ -13819,31 +13880,24 @@
           </a:bodyPr>
           <a:lstStyle/>
           <a:p>
-            <a:pPr marL="0" lvl="0" indent="0" algn="l" rtl="0">
+            <a:pPr lvl="0">
               <a:lnSpc>
                 <a:spcPct val="114000"/>
               </a:lnSpc>
-              <a:spcBef>
-                <a:spcPts val="0"/>
-              </a:spcBef>
-              <a:spcAft>
-                <a:spcPts val="0"/>
-              </a:spcAft>
-              <a:buNone/>
             </a:pPr>
             <a:r>
-              <a:rPr lang="en-GB">
-                <a:solidFill>
-                  <a:schemeClr val="dk1"/>
-                </a:solidFill>
-                <a:latin typeface="Segoe UI" panose="020B0502040204020203" pitchFamily="34" charset="0"/>
-                <a:ea typeface="等线" panose="02010600030101010101" pitchFamily="2" charset="-122"/>
-                <a:cs typeface="Quicksand"/>
-                <a:sym typeface="Quicksand"/>
-              </a:rPr>
-              <a:t>Evaluate the expression</a:t>
-            </a:r>
-            <a:endParaRPr>
+              <a:rPr lang="zh-CN" altLang="en-US" dirty="0">
+                <a:solidFill>
+                  <a:schemeClr val="dk1"/>
+                </a:solidFill>
+                <a:latin typeface="Segoe UI" panose="020B0502040204020203" pitchFamily="34" charset="0"/>
+                <a:ea typeface="等线" panose="02010600030101010101" pitchFamily="2" charset="-122"/>
+                <a:cs typeface="Quicksand"/>
+                <a:sym typeface="Quicksand"/>
+              </a:rPr>
+              <a:t>计算表达式</a:t>
+            </a:r>
+            <a:endParaRPr dirty="0">
               <a:solidFill>
                 <a:schemeClr val="dk1"/>
               </a:solidFill>
@@ -14017,28 +14071,20 @@
           </a:bodyPr>
           <a:lstStyle/>
           <a:p>
-            <a:pPr marL="0" lvl="0" indent="0" algn="l" rtl="0">
-              <a:spcBef>
-                <a:spcPts val="0"/>
-              </a:spcBef>
-              <a:spcAft>
-                <a:spcPts val="0"/>
-              </a:spcAft>
-              <a:buNone/>
-            </a:pPr>
-            <a:r>
-              <a:rPr lang="en-GB" sz="2400" b="1">
-                <a:solidFill>
-                  <a:schemeClr val="dk1"/>
-                </a:solidFill>
-                <a:latin typeface="Segoe UI" panose="020B0502040204020203" pitchFamily="34" charset="0"/>
-                <a:ea typeface="等线" panose="02010600030101010101" pitchFamily="2" charset="-122"/>
-                <a:cs typeface="Quicksand"/>
-                <a:sym typeface="Quicksand"/>
-              </a:rPr>
-              <a:t>The machine</a:t>
-            </a:r>
-            <a:endParaRPr sz="2400" b="1">
+            <a:pPr lvl="0"/>
+            <a:r>
+              <a:rPr lang="zh-CN" altLang="en-US" sz="2400" b="1" dirty="0">
+                <a:solidFill>
+                  <a:schemeClr val="dk1"/>
+                </a:solidFill>
+                <a:latin typeface="Segoe UI" panose="020B0502040204020203" pitchFamily="34" charset="0"/>
+                <a:ea typeface="等线" panose="02010600030101010101" pitchFamily="2" charset="-122"/>
+                <a:cs typeface="Quicksand"/>
+                <a:sym typeface="Quicksand"/>
+              </a:rPr>
+              <a:t>机器</a:t>
+            </a:r>
+            <a:endParaRPr lang="en-US" altLang="zh-CN" sz="2400" b="1" dirty="0">
               <a:solidFill>
                 <a:schemeClr val="dk1"/>
               </a:solidFill>
@@ -14049,28 +14095,20 @@
             </a:endParaRPr>
           </a:p>
           <a:p>
-            <a:pPr marL="0" lvl="0" indent="0" algn="l" rtl="0">
-              <a:spcBef>
-                <a:spcPts val="0"/>
-              </a:spcBef>
-              <a:spcAft>
-                <a:spcPts val="0"/>
-              </a:spcAft>
-              <a:buNone/>
-            </a:pPr>
-            <a:r>
-              <a:rPr lang="en-GB" sz="1800">
-                <a:solidFill>
-                  <a:schemeClr val="dk1"/>
-                </a:solidFill>
-                <a:latin typeface="Segoe UI" panose="020B0502040204020203" pitchFamily="34" charset="0"/>
-                <a:ea typeface="等线" panose="02010600030101010101" pitchFamily="2" charset="-122"/>
-                <a:cs typeface="Quicksand"/>
-                <a:sym typeface="Quicksand"/>
-              </a:rPr>
-              <a:t>executes the code</a:t>
-            </a:r>
-            <a:endParaRPr sz="1800">
+            <a:pPr lvl="0"/>
+            <a:r>
+              <a:rPr lang="zh-CN" altLang="en-US" sz="1800" dirty="0">
+                <a:solidFill>
+                  <a:schemeClr val="dk1"/>
+                </a:solidFill>
+                <a:latin typeface="Segoe UI" panose="020B0502040204020203" pitchFamily="34" charset="0"/>
+                <a:ea typeface="等线" panose="02010600030101010101" pitchFamily="2" charset="-122"/>
+                <a:cs typeface="Quicksand"/>
+                <a:sym typeface="Quicksand"/>
+              </a:rPr>
+              <a:t>执行代码</a:t>
+            </a:r>
+            <a:endParaRPr sz="1800" dirty="0">
               <a:solidFill>
                 <a:schemeClr val="dk1"/>
               </a:solidFill>
@@ -14420,7 +14458,7 @@
               <a:buNone/>
             </a:pPr>
             <a:r>
-              <a:rPr lang="en-GB">
+              <a:rPr lang="en-GB" dirty="0">
                 <a:solidFill>
                   <a:srgbClr val="FFFFFF"/>
                 </a:solidFill>
@@ -14432,13 +14470,43 @@
                 <a:cs typeface="Quicksand"/>
                 <a:sym typeface="Quicksand"/>
               </a:rPr>
-              <a:t> Current instruction </a:t>
-            </a:r>
-            <a:r>
-              <a:rPr lang="en-GB">
+              <a:t> </a:t>
+            </a:r>
+            <a:r>
+              <a:rPr lang="zh-CN" altLang="en-US" dirty="0">
                 <a:solidFill>
                   <a:srgbClr val="FFFFFF"/>
                 </a:solidFill>
+                <a:highlight>
+                  <a:schemeClr val="dk1"/>
+                </a:highlight>
+                <a:latin typeface="Segoe UI" panose="020B0502040204020203" pitchFamily="34" charset="0"/>
+                <a:ea typeface="等线" panose="02010600030101010101" pitchFamily="2" charset="-122"/>
+                <a:cs typeface="Quicksand"/>
+                <a:sym typeface="Quicksand"/>
+              </a:rPr>
+              <a:t>当前指令</a:t>
+            </a:r>
+            <a:r>
+              <a:rPr lang="en-GB" dirty="0">
+                <a:solidFill>
+                  <a:srgbClr val="FFFFFF"/>
+                </a:solidFill>
+                <a:highlight>
+                  <a:schemeClr val="dk1"/>
+                </a:highlight>
+                <a:latin typeface="Segoe UI" panose="020B0502040204020203" pitchFamily="34" charset="0"/>
+                <a:ea typeface="等线" panose="02010600030101010101" pitchFamily="2" charset="-122"/>
+                <a:cs typeface="Quicksand"/>
+                <a:sym typeface="Quicksand"/>
+              </a:rPr>
+              <a:t> </a:t>
+            </a:r>
+            <a:r>
+              <a:rPr lang="en-GB" dirty="0">
+                <a:solidFill>
+                  <a:srgbClr val="FFFFFF"/>
+                </a:solidFill>
                 <a:latin typeface="Segoe UI" panose="020B0502040204020203" pitchFamily="34" charset="0"/>
                 <a:ea typeface="等线" panose="02010600030101010101" pitchFamily="2" charset="-122"/>
                 <a:cs typeface="Quicksand"/>
@@ -14447,7 +14515,7 @@
               <a:t>.</a:t>
             </a:r>
             <a:r>
-              <a:rPr lang="en-GB">
+              <a:rPr lang="en-GB" dirty="0">
                 <a:solidFill>
                   <a:srgbClr val="5B5BA5"/>
                 </a:solidFill>
@@ -14458,7 +14526,7 @@
               </a:rPr>
               <a:t> </a:t>
             </a:r>
-            <a:endParaRPr>
+            <a:endParaRPr dirty="0">
               <a:solidFill>
                 <a:srgbClr val="5B5BA5"/>
               </a:solidFill>
@@ -14508,7 +14576,7 @@
               <a:buNone/>
             </a:pPr>
             <a:r>
-              <a:rPr lang="en-GB">
+              <a:rPr lang="en-GB" dirty="0">
                 <a:solidFill>
                   <a:srgbClr val="FFFFFF"/>
                 </a:solidFill>
@@ -14520,13 +14588,43 @@
                 <a:cs typeface="Quicksand"/>
                 <a:sym typeface="Quicksand"/>
               </a:rPr>
-              <a:t> State </a:t>
-            </a:r>
-            <a:r>
-              <a:rPr lang="en-GB">
+              <a:t> </a:t>
+            </a:r>
+            <a:r>
+              <a:rPr lang="zh-CN" altLang="en-US" dirty="0">
                 <a:solidFill>
                   <a:srgbClr val="FFFFFF"/>
                 </a:solidFill>
+                <a:highlight>
+                  <a:schemeClr val="dk1"/>
+                </a:highlight>
+                <a:latin typeface="Segoe UI" panose="020B0502040204020203" pitchFamily="34" charset="0"/>
+                <a:ea typeface="等线" panose="02010600030101010101" pitchFamily="2" charset="-122"/>
+                <a:cs typeface="Quicksand"/>
+                <a:sym typeface="Quicksand"/>
+              </a:rPr>
+              <a:t>状态</a:t>
+            </a:r>
+            <a:r>
+              <a:rPr lang="en-GB" dirty="0">
+                <a:solidFill>
+                  <a:srgbClr val="FFFFFF"/>
+                </a:solidFill>
+                <a:highlight>
+                  <a:schemeClr val="dk1"/>
+                </a:highlight>
+                <a:latin typeface="Segoe UI" panose="020B0502040204020203" pitchFamily="34" charset="0"/>
+                <a:ea typeface="等线" panose="02010600030101010101" pitchFamily="2" charset="-122"/>
+                <a:cs typeface="Quicksand"/>
+                <a:sym typeface="Quicksand"/>
+              </a:rPr>
+              <a:t> </a:t>
+            </a:r>
+            <a:r>
+              <a:rPr lang="en-GB" dirty="0">
+                <a:solidFill>
+                  <a:srgbClr val="FFFFFF"/>
+                </a:solidFill>
                 <a:latin typeface="Segoe UI" panose="020B0502040204020203" pitchFamily="34" charset="0"/>
                 <a:ea typeface="等线" panose="02010600030101010101" pitchFamily="2" charset="-122"/>
                 <a:cs typeface="Quicksand"/>
@@ -14535,7 +14633,7 @@
               <a:t>.</a:t>
             </a:r>
             <a:r>
-              <a:rPr lang="en-GB">
+              <a:rPr lang="en-GB" dirty="0">
                 <a:solidFill>
                   <a:srgbClr val="5B5BA5"/>
                 </a:solidFill>
@@ -14546,7 +14644,7 @@
               </a:rPr>
               <a:t> </a:t>
             </a:r>
-            <a:endParaRPr>
+            <a:endParaRPr dirty="0">
               <a:solidFill>
                 <a:srgbClr val="5B5BA5"/>
               </a:solidFill>
@@ -14596,7 +14694,7 @@
               <a:buNone/>
             </a:pPr>
             <a:r>
-              <a:rPr lang="en-GB">
+              <a:rPr lang="en-GB" dirty="0">
                 <a:solidFill>
                   <a:srgbClr val="FFFFFF"/>
                 </a:solidFill>
@@ -14608,13 +14706,43 @@
                 <a:cs typeface="Quicksand"/>
                 <a:sym typeface="Quicksand"/>
               </a:rPr>
-              <a:t> Output </a:t>
-            </a:r>
-            <a:r>
-              <a:rPr lang="en-GB">
+              <a:t> </a:t>
+            </a:r>
+            <a:r>
+              <a:rPr lang="zh-CN" altLang="en-US" dirty="0">
                 <a:solidFill>
                   <a:srgbClr val="FFFFFF"/>
                 </a:solidFill>
+                <a:highlight>
+                  <a:schemeClr val="dk1"/>
+                </a:highlight>
+                <a:latin typeface="Segoe UI" panose="020B0502040204020203" pitchFamily="34" charset="0"/>
+                <a:ea typeface="等线" panose="02010600030101010101" pitchFamily="2" charset="-122"/>
+                <a:cs typeface="Quicksand"/>
+                <a:sym typeface="Quicksand"/>
+              </a:rPr>
+              <a:t>输出</a:t>
+            </a:r>
+            <a:r>
+              <a:rPr lang="en-GB" dirty="0">
+                <a:solidFill>
+                  <a:srgbClr val="FFFFFF"/>
+                </a:solidFill>
+                <a:highlight>
+                  <a:schemeClr val="dk1"/>
+                </a:highlight>
+                <a:latin typeface="Segoe UI" panose="020B0502040204020203" pitchFamily="34" charset="0"/>
+                <a:ea typeface="等线" panose="02010600030101010101" pitchFamily="2" charset="-122"/>
+                <a:cs typeface="Quicksand"/>
+                <a:sym typeface="Quicksand"/>
+              </a:rPr>
+              <a:t> </a:t>
+            </a:r>
+            <a:r>
+              <a:rPr lang="en-GB" dirty="0">
+                <a:solidFill>
+                  <a:srgbClr val="FFFFFF"/>
+                </a:solidFill>
                 <a:latin typeface="Segoe UI" panose="020B0502040204020203" pitchFamily="34" charset="0"/>
                 <a:ea typeface="等线" panose="02010600030101010101" pitchFamily="2" charset="-122"/>
                 <a:cs typeface="Quicksand"/>
@@ -14623,7 +14751,7 @@
               <a:t>.</a:t>
             </a:r>
             <a:r>
-              <a:rPr lang="en-GB">
+              <a:rPr lang="en-GB" dirty="0">
                 <a:solidFill>
                   <a:srgbClr val="5B5BA5"/>
                 </a:solidFill>
@@ -14634,7 +14762,7 @@
               </a:rPr>
               <a:t> </a:t>
             </a:r>
-            <a:endParaRPr>
+            <a:endParaRPr dirty="0">
               <a:solidFill>
                 <a:srgbClr val="5B5BA5"/>
               </a:solidFill>
@@ -14671,55 +14799,48 @@
           </a:bodyPr>
           <a:lstStyle/>
           <a:p>
-            <a:pPr marL="0" lvl="0" indent="0" algn="l" rtl="0">
+            <a:pPr lvl="0">
               <a:lnSpc>
                 <a:spcPct val="114000"/>
               </a:lnSpc>
-              <a:spcBef>
-                <a:spcPts val="0"/>
-              </a:spcBef>
-              <a:spcAft>
-                <a:spcPts val="0"/>
-              </a:spcAft>
-              <a:buNone/>
             </a:pPr>
             <a:r>
-              <a:rPr lang="en-GB">
-                <a:solidFill>
-                  <a:schemeClr val="dk1"/>
-                </a:solidFill>
-                <a:latin typeface="Segoe UI" panose="020B0502040204020203" pitchFamily="34" charset="0"/>
-                <a:ea typeface="等线" panose="02010600030101010101" pitchFamily="2" charset="-122"/>
-                <a:cs typeface="Quicksand"/>
-                <a:sym typeface="Quicksand"/>
-              </a:rPr>
-              <a:t>and assign the value to </a:t>
-            </a:r>
-            <a:r>
-              <a:rPr lang="en-GB">
-                <a:solidFill>
-                  <a:schemeClr val="dk1"/>
-                </a:solidFill>
-                <a:latin typeface="Segoe UI" panose="020B0502040204020203" pitchFamily="34" charset="0"/>
-                <a:ea typeface="等线" panose="02010600030101010101" pitchFamily="2" charset="-122"/>
-                <a:cs typeface="Roboto Mono"/>
-                <a:sym typeface="Roboto Mono"/>
+              <a:rPr lang="zh-CN" altLang="en-US" dirty="0">
+                <a:solidFill>
+                  <a:schemeClr val="dk1"/>
+                </a:solidFill>
+                <a:latin typeface="Segoe UI" panose="020B0502040204020203" pitchFamily="34" charset="0"/>
+                <a:ea typeface="等线" panose="02010600030101010101" pitchFamily="2" charset="-122"/>
+                <a:cs typeface="Quicksand"/>
+                <a:sym typeface="Quicksand"/>
+              </a:rPr>
+              <a:t>并将值赋给 </a:t>
+            </a:r>
+            <a:r>
+              <a:rPr lang="en-US" altLang="zh-CN" dirty="0">
+                <a:solidFill>
+                  <a:schemeClr val="dk1"/>
+                </a:solidFill>
+                <a:latin typeface="Segoe UI" panose="020B0502040204020203" pitchFamily="34" charset="0"/>
+                <a:ea typeface="等线" panose="02010600030101010101" pitchFamily="2" charset="-122"/>
+                <a:cs typeface="Quicksand"/>
+                <a:sym typeface="Quicksand"/>
               </a:rPr>
               <a:t>quad</a:t>
             </a:r>
             <a:r>
-              <a:rPr lang="en-GB">
-                <a:solidFill>
-                  <a:schemeClr val="dk1"/>
-                </a:solidFill>
-                <a:latin typeface="Segoe UI" panose="020B0502040204020203" pitchFamily="34" charset="0"/>
-                <a:ea typeface="等线" panose="02010600030101010101" pitchFamily="2" charset="-122"/>
-                <a:cs typeface="Quicksand"/>
-                <a:sym typeface="Quicksand"/>
-              </a:rPr>
-              <a:t>.</a:t>
-            </a:r>
-            <a:endParaRPr>
+              <a:rPr lang="zh-CN" altLang="en-US" dirty="0">
+                <a:solidFill>
+                  <a:schemeClr val="dk1"/>
+                </a:solidFill>
+                <a:latin typeface="Segoe UI" panose="020B0502040204020203" pitchFamily="34" charset="0"/>
+                <a:ea typeface="等线" panose="02010600030101010101" pitchFamily="2" charset="-122"/>
+                <a:cs typeface="Quicksand"/>
+                <a:sym typeface="Quicksand"/>
+              </a:rPr>
+              <a:t>。</a:t>
+            </a:r>
+            <a:endParaRPr dirty="0">
               <a:solidFill>
                 <a:schemeClr val="dk1"/>
               </a:solidFill>
@@ -14739,10 +14860,10 @@
         </p:nvGrpSpPr>
         <p:grpSpPr>
           <a:xfrm>
-            <a:off x="4724400" y="2203700"/>
-            <a:ext cx="3564900" cy="363300"/>
-            <a:chOff x="5257800" y="2203700"/>
-            <a:chExt cx="3564900" cy="363300"/>
+            <a:off x="4818861" y="2197562"/>
+            <a:ext cx="3744900" cy="363300"/>
+            <a:chOff x="5352261" y="2197562"/>
+            <a:chExt cx="3744900" cy="363300"/>
           </a:xfrm>
         </p:grpSpPr>
         <p:sp>
@@ -14753,7 +14874,7 @@
           </p:nvSpPr>
           <p:spPr>
             <a:xfrm>
-              <a:off x="5257800" y="2203700"/>
+              <a:off x="5532261" y="2197562"/>
               <a:ext cx="3564900" cy="363300"/>
             </a:xfrm>
             <a:prstGeom prst="rect">
@@ -14770,20 +14891,13 @@
             </a:bodyPr>
             <a:lstStyle/>
             <a:p>
-              <a:pPr marL="0" lvl="0" indent="0" algn="l" rtl="0">
+              <a:pPr lvl="0">
                 <a:lnSpc>
                   <a:spcPct val="114000"/>
                 </a:lnSpc>
-                <a:spcBef>
-                  <a:spcPts val="0"/>
-                </a:spcBef>
-                <a:spcAft>
-                  <a:spcPts val="0"/>
-                </a:spcAft>
-                <a:buNone/>
               </a:pPr>
               <a:r>
-                <a:rPr lang="en-GB">
+                <a:rPr lang="zh-CN" altLang="en-US" dirty="0">
                   <a:solidFill>
                     <a:schemeClr val="dk1"/>
                   </a:solidFill>
@@ -14792,9 +14906,9 @@
                   <a:cs typeface="Quicksand"/>
                   <a:sym typeface="Quicksand"/>
                 </a:rPr>
-                <a:t>     Calculate the days in four years.</a:t>
+                <a:t>计算四年中的天数。</a:t>
               </a:r>
-              <a:endParaRPr>
+              <a:endParaRPr dirty="0">
                 <a:solidFill>
                   <a:schemeClr val="dk1"/>
                 </a:solidFill>
@@ -14909,7 +15023,7 @@
               <a:buNone/>
             </a:pPr>
             <a:r>
-              <a:rPr lang="en-GB">
+              <a:rPr lang="en-GB" dirty="0">
                 <a:latin typeface="Segoe UI" panose="020B0502040204020203" pitchFamily="34" charset="0"/>
                 <a:ea typeface="等线" panose="02010600030101010101" pitchFamily="2" charset="-122"/>
                 <a:cs typeface="Roboto Mono"/>
@@ -14917,7 +15031,7 @@
               </a:rPr>
               <a:t>days = 7 * 31 + 4 * 30 + 28</a:t>
             </a:r>
-            <a:endParaRPr>
+            <a:endParaRPr dirty="0">
               <a:latin typeface="Segoe UI" panose="020B0502040204020203" pitchFamily="34" charset="0"/>
               <a:ea typeface="等线" panose="02010600030101010101" pitchFamily="2" charset="-122"/>
               <a:cs typeface="Roboto Mono"/>
@@ -14938,7 +15052,7 @@
               <a:buNone/>
             </a:pPr>
             <a:r>
-              <a:rPr lang="en-GB">
+              <a:rPr lang="en-GB" dirty="0">
                 <a:latin typeface="Segoe UI" panose="020B0502040204020203" pitchFamily="34" charset="0"/>
                 <a:ea typeface="等线" panose="02010600030101010101" pitchFamily="2" charset="-122"/>
                 <a:cs typeface="Roboto Mono"/>
@@ -14946,7 +15060,7 @@
               </a:rPr>
               <a:t>quad = 4 * days + 1</a:t>
             </a:r>
-            <a:endParaRPr>
+            <a:endParaRPr dirty="0">
               <a:latin typeface="Segoe UI" panose="020B0502040204020203" pitchFamily="34" charset="0"/>
               <a:ea typeface="等线" panose="02010600030101010101" pitchFamily="2" charset="-122"/>
               <a:cs typeface="Roboto Mono"/>
@@ -14954,28 +15068,39 @@
             </a:endParaRPr>
           </a:p>
           <a:p>
-            <a:pPr marL="0" lvl="0" indent="0" algn="l" rtl="0">
+            <a:pPr lvl="0">
               <a:lnSpc>
                 <a:spcPct val="115000"/>
               </a:lnSpc>
-              <a:spcBef>
-                <a:spcPts val="0"/>
-              </a:spcBef>
-              <a:spcAft>
-                <a:spcPts val="0"/>
-              </a:spcAft>
-              <a:buNone/>
             </a:pPr>
             <a:r>
-              <a:rPr lang="en-GB">
+              <a:rPr lang="en-GB" dirty="0">
                 <a:latin typeface="Segoe UI" panose="020B0502040204020203" pitchFamily="34" charset="0"/>
                 <a:ea typeface="等线" panose="02010600030101010101" pitchFamily="2" charset="-122"/>
                 <a:cs typeface="Roboto Mono"/>
                 <a:sym typeface="Roboto Mono"/>
               </a:rPr>
-              <a:t>print(quad, "days in four years")</a:t>
-            </a:r>
-            <a:endParaRPr>
+              <a:t>print(quad, "</a:t>
+            </a:r>
+            <a:r>
+              <a:rPr lang="zh-CN" altLang="en-US" dirty="0">
+                <a:latin typeface="Segoe UI" panose="020B0502040204020203" pitchFamily="34" charset="0"/>
+                <a:ea typeface="等线" panose="02010600030101010101" pitchFamily="2" charset="-122"/>
+                <a:cs typeface="Roboto Mono"/>
+                <a:sym typeface="Roboto Mono"/>
+              </a:rPr>
+              <a:t>四年中的天数</a:t>
+            </a:r>
+            <a:r>
+              <a:rPr lang="en-GB" dirty="0">
+                <a:latin typeface="Segoe UI" panose="020B0502040204020203" pitchFamily="34" charset="0"/>
+                <a:ea typeface="等线" panose="02010600030101010101" pitchFamily="2" charset="-122"/>
+                <a:cs typeface="Roboto Mono"/>
+                <a:sym typeface="Roboto Mono"/>
+              </a:rPr>
+              <a:t>")</a:t>
+            </a:r>
+            <a:endParaRPr dirty="0">
               <a:latin typeface="Segoe UI" panose="020B0502040204020203" pitchFamily="34" charset="0"/>
               <a:ea typeface="等线" panose="02010600030101010101" pitchFamily="2" charset="-122"/>
               <a:cs typeface="Roboto Mono"/>
@@ -15362,7 +15487,7 @@
               <a:buNone/>
             </a:pPr>
             <a:r>
-              <a:rPr lang="en-GB">
+              <a:rPr lang="en-GB" dirty="0">
                 <a:latin typeface="Segoe UI" panose="020B0502040204020203" pitchFamily="34" charset="0"/>
                 <a:ea typeface="等线" panose="02010600030101010101" pitchFamily="2" charset="-122"/>
                 <a:cs typeface="Roboto Mono"/>
@@ -15370,7 +15495,7 @@
               </a:rPr>
               <a:t>days = 365</a:t>
             </a:r>
-            <a:endParaRPr>
+            <a:endParaRPr dirty="0">
               <a:latin typeface="Segoe UI" panose="020B0502040204020203" pitchFamily="34" charset="0"/>
               <a:ea typeface="等线" panose="02010600030101010101" pitchFamily="2" charset="-122"/>
               <a:cs typeface="Roboto Mono"/>
@@ -15391,7 +15516,7 @@
               <a:buNone/>
             </a:pPr>
             <a:r>
-              <a:rPr lang="en-GB">
+              <a:rPr lang="en-GB" dirty="0">
                 <a:latin typeface="Segoe UI" panose="020B0502040204020203" pitchFamily="34" charset="0"/>
                 <a:ea typeface="等线" panose="02010600030101010101" pitchFamily="2" charset="-122"/>
                 <a:cs typeface="Roboto Mono"/>
@@ -15399,7 +15524,7 @@
               </a:rPr>
               <a:t>quad = 4 * days + 1</a:t>
             </a:r>
-            <a:endParaRPr>
+            <a:endParaRPr dirty="0">
               <a:latin typeface="Segoe UI" panose="020B0502040204020203" pitchFamily="34" charset="0"/>
               <a:ea typeface="等线" panose="02010600030101010101" pitchFamily="2" charset="-122"/>
               <a:cs typeface="Roboto Mono"/>
@@ -15407,28 +15532,39 @@
             </a:endParaRPr>
           </a:p>
           <a:p>
-            <a:pPr marL="0" lvl="0" indent="0" algn="l" rtl="0">
+            <a:pPr lvl="0">
               <a:lnSpc>
                 <a:spcPct val="115000"/>
               </a:lnSpc>
-              <a:spcBef>
-                <a:spcPts val="0"/>
-              </a:spcBef>
-              <a:spcAft>
-                <a:spcPts val="0"/>
-              </a:spcAft>
-              <a:buNone/>
             </a:pPr>
             <a:r>
-              <a:rPr lang="en-GB">
+              <a:rPr lang="en-GB" dirty="0">
                 <a:latin typeface="Segoe UI" panose="020B0502040204020203" pitchFamily="34" charset="0"/>
                 <a:ea typeface="等线" panose="02010600030101010101" pitchFamily="2" charset="-122"/>
                 <a:cs typeface="Roboto Mono"/>
                 <a:sym typeface="Roboto Mono"/>
               </a:rPr>
-              <a:t>print(quad, "days in four years")</a:t>
-            </a:r>
-            <a:endParaRPr>
+              <a:t>print(quad, "</a:t>
+            </a:r>
+            <a:r>
+              <a:rPr lang="zh-CN" altLang="en-US" dirty="0">
+                <a:latin typeface="Segoe UI" panose="020B0502040204020203" pitchFamily="34" charset="0"/>
+                <a:ea typeface="等线" panose="02010600030101010101" pitchFamily="2" charset="-122"/>
+                <a:cs typeface="Roboto Mono"/>
+                <a:sym typeface="Roboto Mono"/>
+              </a:rPr>
+              <a:t>四年中的天数</a:t>
+            </a:r>
+            <a:r>
+              <a:rPr lang="en-GB" dirty="0">
+                <a:latin typeface="Segoe UI" panose="020B0502040204020203" pitchFamily="34" charset="0"/>
+                <a:ea typeface="等线" panose="02010600030101010101" pitchFamily="2" charset="-122"/>
+                <a:cs typeface="Roboto Mono"/>
+                <a:sym typeface="Roboto Mono"/>
+              </a:rPr>
+              <a:t>")</a:t>
+            </a:r>
+            <a:endParaRPr dirty="0">
               <a:latin typeface="Segoe UI" panose="020B0502040204020203" pitchFamily="34" charset="0"/>
               <a:ea typeface="等线" panose="02010600030101010101" pitchFamily="2" charset="-122"/>
               <a:cs typeface="Roboto Mono"/>
@@ -15445,7 +15581,7 @@
         </p:nvSpPr>
         <p:spPr>
           <a:xfrm>
-            <a:off x="310900" y="1865000"/>
+            <a:off x="310900" y="1867209"/>
             <a:ext cx="3687000" cy="271500"/>
           </a:xfrm>
           <a:prstGeom prst="rect">
@@ -15475,7 +15611,7 @@
               </a:spcAft>
               <a:buNone/>
             </a:pPr>
-            <a:endParaRPr/>
+            <a:endParaRPr dirty="0"/>
           </a:p>
         </p:txBody>
       </p:sp>
@@ -15599,28 +15735,20 @@
           </a:bodyPr>
           <a:lstStyle/>
           <a:p>
-            <a:pPr marL="0" lvl="0" indent="0" algn="l" rtl="0">
-              <a:spcBef>
-                <a:spcPts val="0"/>
-              </a:spcBef>
-              <a:spcAft>
-                <a:spcPts val="0"/>
-              </a:spcAft>
-              <a:buNone/>
-            </a:pPr>
-            <a:r>
-              <a:rPr lang="en-GB" sz="2400" b="1">
-                <a:solidFill>
-                  <a:schemeClr val="dk1"/>
-                </a:solidFill>
-                <a:latin typeface="Segoe UI" panose="020B0502040204020203" pitchFamily="34" charset="0"/>
-                <a:ea typeface="等线" panose="02010600030101010101" pitchFamily="2" charset="-122"/>
-                <a:cs typeface="Quicksand"/>
-                <a:sym typeface="Quicksand"/>
-              </a:rPr>
-              <a:t>The machine</a:t>
-            </a:r>
-            <a:endParaRPr sz="2400" b="1">
+            <a:pPr lvl="0"/>
+            <a:r>
+              <a:rPr lang="zh-CN" altLang="en-US" sz="2400" b="1" dirty="0">
+                <a:solidFill>
+                  <a:schemeClr val="dk1"/>
+                </a:solidFill>
+                <a:latin typeface="Segoe UI" panose="020B0502040204020203" pitchFamily="34" charset="0"/>
+                <a:ea typeface="等线" panose="02010600030101010101" pitchFamily="2" charset="-122"/>
+                <a:cs typeface="Quicksand"/>
+                <a:sym typeface="Quicksand"/>
+              </a:rPr>
+              <a:t>机器</a:t>
+            </a:r>
+            <a:endParaRPr lang="en-US" altLang="zh-CN" sz="2400" b="1" dirty="0">
               <a:solidFill>
                 <a:schemeClr val="dk1"/>
               </a:solidFill>
@@ -15631,28 +15759,20 @@
             </a:endParaRPr>
           </a:p>
           <a:p>
-            <a:pPr marL="0" lvl="0" indent="0" algn="l" rtl="0">
-              <a:spcBef>
-                <a:spcPts val="0"/>
-              </a:spcBef>
-              <a:spcAft>
-                <a:spcPts val="0"/>
-              </a:spcAft>
-              <a:buNone/>
-            </a:pPr>
-            <a:r>
-              <a:rPr lang="en-GB" sz="1800">
-                <a:solidFill>
-                  <a:schemeClr val="dk1"/>
-                </a:solidFill>
-                <a:latin typeface="Segoe UI" panose="020B0502040204020203" pitchFamily="34" charset="0"/>
-                <a:ea typeface="等线" panose="02010600030101010101" pitchFamily="2" charset="-122"/>
-                <a:cs typeface="Quicksand"/>
-                <a:sym typeface="Quicksand"/>
-              </a:rPr>
-              <a:t>executes the code</a:t>
-            </a:r>
-            <a:endParaRPr sz="1800">
+            <a:pPr lvl="0"/>
+            <a:r>
+              <a:rPr lang="zh-CN" altLang="en-US" sz="1800" dirty="0">
+                <a:solidFill>
+                  <a:schemeClr val="dk1"/>
+                </a:solidFill>
+                <a:latin typeface="Segoe UI" panose="020B0502040204020203" pitchFamily="34" charset="0"/>
+                <a:ea typeface="等线" panose="02010600030101010101" pitchFamily="2" charset="-122"/>
+                <a:cs typeface="Quicksand"/>
+                <a:sym typeface="Quicksand"/>
+              </a:rPr>
+              <a:t>执行代码</a:t>
+            </a:r>
+            <a:endParaRPr sz="1800" dirty="0">
               <a:solidFill>
                 <a:schemeClr val="dk1"/>
               </a:solidFill>
@@ -15818,40 +15938,30 @@
           </a:bodyPr>
           <a:lstStyle/>
           <a:p>
-            <a:pPr marL="0" lvl="0" indent="0" algn="l" rtl="0">
+            <a:pPr lvl="0">
               <a:lnSpc>
                 <a:spcPct val="114000"/>
               </a:lnSpc>
-              <a:spcBef>
-                <a:spcPts val="0"/>
-              </a:spcBef>
-              <a:spcAft>
-                <a:spcPts val="0"/>
-              </a:spcAft>
-              <a:buNone/>
             </a:pPr>
             <a:r>
-              <a:rPr lang="en-GB">
+              <a:rPr lang="en-GB" dirty="0">
                 <a:latin typeface="Segoe UI" panose="020B0502040204020203" pitchFamily="34" charset="0"/>
                 <a:ea typeface="等线" panose="02010600030101010101" pitchFamily="2" charset="-122"/>
                 <a:cs typeface="Roboto Mono"/>
                 <a:sym typeface="Roboto Mono"/>
               </a:rPr>
-              <a:t>1461 days in four years</a:t>
-            </a:r>
-            <a:r>
-              <a:rPr lang="en-GB">
-                <a:solidFill>
-                  <a:srgbClr val="5B5BA5"/>
-                </a:solidFill>
-                <a:latin typeface="Segoe UI" panose="020B0502040204020203" pitchFamily="34" charset="0"/>
-                <a:ea typeface="等线" panose="02010600030101010101" pitchFamily="2" charset="-122"/>
-                <a:cs typeface="Quicksand"/>
-                <a:sym typeface="Quicksand"/>
-              </a:rPr>
-              <a:t> </a:t>
-            </a:r>
-            <a:endParaRPr>
+              <a:t>1461</a:t>
+            </a:r>
+            <a:r>
+              <a:rPr lang="zh-CN" altLang="en-US" dirty="0">
+                <a:latin typeface="Segoe UI" panose="020B0502040204020203" pitchFamily="34" charset="0"/>
+                <a:ea typeface="等线" panose="02010600030101010101" pitchFamily="2" charset="-122"/>
+                <a:cs typeface="Roboto Mono"/>
+                <a:sym typeface="Roboto Mono"/>
+              </a:rPr>
+              <a:t>四年中的天数</a:t>
+            </a:r>
+            <a:endParaRPr dirty="0">
               <a:solidFill>
                 <a:srgbClr val="5B5BA5"/>
               </a:solidFill>
@@ -16030,7 +16140,7 @@
               <a:buNone/>
             </a:pPr>
             <a:r>
-              <a:rPr lang="en-GB">
+              <a:rPr lang="en-GB" dirty="0">
                 <a:solidFill>
                   <a:srgbClr val="FFFFFF"/>
                 </a:solidFill>
@@ -16042,13 +16152,43 @@
                 <a:cs typeface="Quicksand"/>
                 <a:sym typeface="Quicksand"/>
               </a:rPr>
-              <a:t> Current instruction </a:t>
-            </a:r>
-            <a:r>
-              <a:rPr lang="en-GB">
+              <a:t> </a:t>
+            </a:r>
+            <a:r>
+              <a:rPr lang="zh-CN" altLang="en-US" dirty="0">
                 <a:solidFill>
                   <a:srgbClr val="FFFFFF"/>
                 </a:solidFill>
+                <a:highlight>
+                  <a:schemeClr val="dk1"/>
+                </a:highlight>
+                <a:latin typeface="Segoe UI" panose="020B0502040204020203" pitchFamily="34" charset="0"/>
+                <a:ea typeface="等线" panose="02010600030101010101" pitchFamily="2" charset="-122"/>
+                <a:cs typeface="Quicksand"/>
+                <a:sym typeface="Quicksand"/>
+              </a:rPr>
+              <a:t>当前指令</a:t>
+            </a:r>
+            <a:r>
+              <a:rPr lang="en-GB" dirty="0">
+                <a:solidFill>
+                  <a:srgbClr val="FFFFFF"/>
+                </a:solidFill>
+                <a:highlight>
+                  <a:schemeClr val="dk1"/>
+                </a:highlight>
+                <a:latin typeface="Segoe UI" panose="020B0502040204020203" pitchFamily="34" charset="0"/>
+                <a:ea typeface="等线" panose="02010600030101010101" pitchFamily="2" charset="-122"/>
+                <a:cs typeface="Quicksand"/>
+                <a:sym typeface="Quicksand"/>
+              </a:rPr>
+              <a:t> </a:t>
+            </a:r>
+            <a:r>
+              <a:rPr lang="en-GB" dirty="0">
+                <a:solidFill>
+                  <a:srgbClr val="FFFFFF"/>
+                </a:solidFill>
                 <a:latin typeface="Segoe UI" panose="020B0502040204020203" pitchFamily="34" charset="0"/>
                 <a:ea typeface="等线" panose="02010600030101010101" pitchFamily="2" charset="-122"/>
                 <a:cs typeface="Quicksand"/>
@@ -16057,7 +16197,7 @@
               <a:t>.</a:t>
             </a:r>
             <a:r>
-              <a:rPr lang="en-GB">
+              <a:rPr lang="en-GB" dirty="0">
                 <a:solidFill>
                   <a:srgbClr val="5B5BA5"/>
                 </a:solidFill>
@@ -16068,7 +16208,7 @@
               </a:rPr>
               <a:t> </a:t>
             </a:r>
-            <a:endParaRPr>
+            <a:endParaRPr dirty="0">
               <a:solidFill>
                 <a:srgbClr val="5B5BA5"/>
               </a:solidFill>
@@ -16118,7 +16258,7 @@
               <a:buNone/>
             </a:pPr>
             <a:r>
-              <a:rPr lang="en-GB">
+              <a:rPr lang="en-GB" dirty="0">
                 <a:solidFill>
                   <a:srgbClr val="FFFFFF"/>
                 </a:solidFill>
@@ -16130,13 +16270,43 @@
                 <a:cs typeface="Quicksand"/>
                 <a:sym typeface="Quicksand"/>
               </a:rPr>
-              <a:t> State </a:t>
-            </a:r>
-            <a:r>
-              <a:rPr lang="en-GB">
+              <a:t> </a:t>
+            </a:r>
+            <a:r>
+              <a:rPr lang="zh-CN" altLang="en-US" dirty="0">
                 <a:solidFill>
                   <a:srgbClr val="FFFFFF"/>
                 </a:solidFill>
+                <a:highlight>
+                  <a:schemeClr val="dk1"/>
+                </a:highlight>
+                <a:latin typeface="Segoe UI" panose="020B0502040204020203" pitchFamily="34" charset="0"/>
+                <a:ea typeface="等线" panose="02010600030101010101" pitchFamily="2" charset="-122"/>
+                <a:cs typeface="Quicksand"/>
+                <a:sym typeface="Quicksand"/>
+              </a:rPr>
+              <a:t>状态</a:t>
+            </a:r>
+            <a:r>
+              <a:rPr lang="en-GB" dirty="0">
+                <a:solidFill>
+                  <a:srgbClr val="FFFFFF"/>
+                </a:solidFill>
+                <a:highlight>
+                  <a:schemeClr val="dk1"/>
+                </a:highlight>
+                <a:latin typeface="Segoe UI" panose="020B0502040204020203" pitchFamily="34" charset="0"/>
+                <a:ea typeface="等线" panose="02010600030101010101" pitchFamily="2" charset="-122"/>
+                <a:cs typeface="Quicksand"/>
+                <a:sym typeface="Quicksand"/>
+              </a:rPr>
+              <a:t> </a:t>
+            </a:r>
+            <a:r>
+              <a:rPr lang="en-GB" dirty="0">
+                <a:solidFill>
+                  <a:srgbClr val="FFFFFF"/>
+                </a:solidFill>
                 <a:latin typeface="Segoe UI" panose="020B0502040204020203" pitchFamily="34" charset="0"/>
                 <a:ea typeface="等线" panose="02010600030101010101" pitchFamily="2" charset="-122"/>
                 <a:cs typeface="Quicksand"/>
@@ -16145,7 +16315,7 @@
               <a:t>.</a:t>
             </a:r>
             <a:r>
-              <a:rPr lang="en-GB">
+              <a:rPr lang="en-GB" dirty="0">
                 <a:solidFill>
                   <a:srgbClr val="5B5BA5"/>
                 </a:solidFill>
@@ -16156,7 +16326,7 @@
               </a:rPr>
               <a:t> </a:t>
             </a:r>
-            <a:endParaRPr>
+            <a:endParaRPr dirty="0">
               <a:solidFill>
                 <a:srgbClr val="5B5BA5"/>
               </a:solidFill>
@@ -16206,7 +16376,7 @@
               <a:buNone/>
             </a:pPr>
             <a:r>
-              <a:rPr lang="en-GB">
+              <a:rPr lang="en-GB" dirty="0">
                 <a:solidFill>
                   <a:srgbClr val="FFFFFF"/>
                 </a:solidFill>
@@ -16218,13 +16388,43 @@
                 <a:cs typeface="Quicksand"/>
                 <a:sym typeface="Quicksand"/>
               </a:rPr>
-              <a:t> Output </a:t>
-            </a:r>
-            <a:r>
-              <a:rPr lang="en-GB">
+              <a:t> </a:t>
+            </a:r>
+            <a:r>
+              <a:rPr lang="zh-CN" altLang="en-US" dirty="0">
                 <a:solidFill>
                   <a:srgbClr val="FFFFFF"/>
                 </a:solidFill>
+                <a:highlight>
+                  <a:schemeClr val="dk1"/>
+                </a:highlight>
+                <a:latin typeface="Segoe UI" panose="020B0502040204020203" pitchFamily="34" charset="0"/>
+                <a:ea typeface="等线" panose="02010600030101010101" pitchFamily="2" charset="-122"/>
+                <a:cs typeface="Quicksand"/>
+                <a:sym typeface="Quicksand"/>
+              </a:rPr>
+              <a:t>输出</a:t>
+            </a:r>
+            <a:r>
+              <a:rPr lang="en-GB" dirty="0">
+                <a:solidFill>
+                  <a:srgbClr val="FFFFFF"/>
+                </a:solidFill>
+                <a:highlight>
+                  <a:schemeClr val="dk1"/>
+                </a:highlight>
+                <a:latin typeface="Segoe UI" panose="020B0502040204020203" pitchFamily="34" charset="0"/>
+                <a:ea typeface="等线" panose="02010600030101010101" pitchFamily="2" charset="-122"/>
+                <a:cs typeface="Quicksand"/>
+                <a:sym typeface="Quicksand"/>
+              </a:rPr>
+              <a:t> </a:t>
+            </a:r>
+            <a:r>
+              <a:rPr lang="en-GB" dirty="0">
+                <a:solidFill>
+                  <a:srgbClr val="FFFFFF"/>
+                </a:solidFill>
                 <a:latin typeface="Segoe UI" panose="020B0502040204020203" pitchFamily="34" charset="0"/>
                 <a:ea typeface="等线" panose="02010600030101010101" pitchFamily="2" charset="-122"/>
                 <a:cs typeface="Quicksand"/>
@@ -16233,7 +16433,7 @@
               <a:t>.</a:t>
             </a:r>
             <a:r>
-              <a:rPr lang="en-GB">
+              <a:rPr lang="en-GB" dirty="0">
                 <a:solidFill>
                   <a:srgbClr val="5B5BA5"/>
                 </a:solidFill>
@@ -16244,7 +16444,7 @@
               </a:rPr>
               <a:t> </a:t>
             </a:r>
-            <a:endParaRPr>
+            <a:endParaRPr dirty="0">
               <a:solidFill>
                 <a:srgbClr val="5B5BA5"/>
               </a:solidFill>
@@ -16281,43 +16481,24 @@
           </a:bodyPr>
           <a:lstStyle/>
           <a:p>
-            <a:pPr marL="0" lvl="0" indent="0" algn="l" rtl="0">
+            <a:pPr lvl="0">
               <a:lnSpc>
                 <a:spcPct val="114000"/>
               </a:lnSpc>
-              <a:spcBef>
-                <a:spcPts val="0"/>
-              </a:spcBef>
-              <a:spcAft>
-                <a:spcPts val="0"/>
-              </a:spcAft>
-              <a:buNone/>
             </a:pPr>
             <a:r>
-              <a:rPr lang="en-GB">
-                <a:solidFill>
-                  <a:schemeClr val="dk1"/>
-                </a:solidFill>
-                <a:latin typeface="Segoe UI" panose="020B0502040204020203" pitchFamily="34" charset="0"/>
-                <a:ea typeface="等线" panose="02010600030101010101" pitchFamily="2" charset="-122"/>
-                <a:cs typeface="Quicksand"/>
-                <a:sym typeface="Quicksand"/>
-              </a:rPr>
-              <a:t>Display the value of </a:t>
-            </a:r>
-            <a:r>
-              <a:rPr lang="en-GB">
-                <a:solidFill>
-                  <a:schemeClr val="dk1"/>
-                </a:solidFill>
-                <a:latin typeface="Segoe UI" panose="020B0502040204020203" pitchFamily="34" charset="0"/>
-                <a:ea typeface="等线" panose="02010600030101010101" pitchFamily="2" charset="-122"/>
-                <a:cs typeface="Roboto Mono"/>
-                <a:sym typeface="Roboto Mono"/>
-              </a:rPr>
-              <a:t>quad</a:t>
-            </a:r>
-            <a:endParaRPr>
+              <a:rPr lang="zh-CN" altLang="en-US" dirty="0">
+                <a:solidFill>
+                  <a:schemeClr val="dk1"/>
+                </a:solidFill>
+                <a:latin typeface="Segoe UI" panose="020B0502040204020203" pitchFamily="34" charset="0"/>
+                <a:ea typeface="等线" panose="02010600030101010101" pitchFamily="2" charset="-122"/>
+                <a:cs typeface="Quicksand"/>
+                <a:sym typeface="Quicksand"/>
+              </a:rPr>
+              <a:t>显示四边形的值</a:t>
+            </a:r>
+            <a:endParaRPr dirty="0">
               <a:solidFill>
                 <a:schemeClr val="dk1"/>
               </a:solidFill>
@@ -16354,55 +16535,24 @@
           </a:bodyPr>
           <a:lstStyle/>
           <a:p>
-            <a:pPr marL="0" lvl="0" indent="0" algn="l" rtl="0">
+            <a:pPr lvl="0">
               <a:lnSpc>
                 <a:spcPct val="114000"/>
               </a:lnSpc>
-              <a:spcBef>
-                <a:spcPts val="0"/>
-              </a:spcBef>
-              <a:spcAft>
-                <a:spcPts val="0"/>
-              </a:spcAft>
-              <a:buNone/>
             </a:pPr>
             <a:r>
-              <a:rPr lang="en-GB">
-                <a:solidFill>
-                  <a:schemeClr val="dk1"/>
-                </a:solidFill>
-                <a:latin typeface="Segoe UI" panose="020B0502040204020203" pitchFamily="34" charset="0"/>
-                <a:ea typeface="等线" panose="02010600030101010101" pitchFamily="2" charset="-122"/>
-                <a:cs typeface="Quicksand"/>
-                <a:sym typeface="Quicksand"/>
-              </a:rPr>
-              <a:t>and the literal </a:t>
-            </a:r>
-            <a:r>
-              <a:rPr lang="en-GB">
-                <a:solidFill>
-                  <a:schemeClr val="dk1"/>
-                </a:solidFill>
-                <a:latin typeface="Segoe UI" panose="020B0502040204020203" pitchFamily="34" charset="0"/>
-                <a:ea typeface="等线" panose="02010600030101010101" pitchFamily="2" charset="-122"/>
-                <a:cs typeface="Roboto Mono"/>
-                <a:sym typeface="Roboto Mono"/>
-              </a:rPr>
-              <a:t>"days in four years"</a:t>
-            </a:r>
-            <a:r>
-              <a:rPr lang="en-GB">
-                <a:solidFill>
-                  <a:schemeClr val="dk1"/>
-                </a:solidFill>
-                <a:latin typeface="Segoe UI" panose="020B0502040204020203" pitchFamily="34" charset="0"/>
-                <a:ea typeface="等线" panose="02010600030101010101" pitchFamily="2" charset="-122"/>
-                <a:cs typeface="Quicksand"/>
-                <a:sym typeface="Quicksand"/>
-              </a:rPr>
-              <a:t>.</a:t>
-            </a:r>
-            <a:endParaRPr>
+              <a:rPr lang="zh-CN" altLang="en-US" dirty="0">
+                <a:solidFill>
+                  <a:schemeClr val="dk1"/>
+                </a:solidFill>
+                <a:latin typeface="Segoe UI" panose="020B0502040204020203" pitchFamily="34" charset="0"/>
+                <a:ea typeface="等线" panose="02010600030101010101" pitchFamily="2" charset="-122"/>
+                <a:cs typeface="Quicksand"/>
+                <a:sym typeface="Quicksand"/>
+              </a:rPr>
+              <a:t>以及字面上的“四年天数”。</a:t>
+            </a:r>
+            <a:endParaRPr dirty="0">
               <a:solidFill>
                 <a:schemeClr val="dk1"/>
               </a:solidFill>
@@ -16422,7 +16572,7 @@
         </p:nvSpPr>
         <p:spPr>
           <a:xfrm>
-            <a:off x="4724400" y="2203700"/>
+            <a:off x="4997150" y="2208450"/>
             <a:ext cx="3564900" cy="363300"/>
           </a:xfrm>
           <a:prstGeom prst="rect">
@@ -16439,31 +16589,24 @@
           </a:bodyPr>
           <a:lstStyle/>
           <a:p>
-            <a:pPr marL="0" lvl="0" indent="0" algn="l" rtl="0">
+            <a:pPr lvl="0">
               <a:lnSpc>
                 <a:spcPct val="114000"/>
               </a:lnSpc>
-              <a:spcBef>
-                <a:spcPts val="0"/>
-              </a:spcBef>
-              <a:spcAft>
-                <a:spcPts val="0"/>
-              </a:spcAft>
-              <a:buNone/>
             </a:pPr>
             <a:r>
-              <a:rPr lang="en-GB">
-                <a:solidFill>
-                  <a:schemeClr val="dk1"/>
-                </a:solidFill>
-                <a:latin typeface="Segoe UI" panose="020B0502040204020203" pitchFamily="34" charset="0"/>
-                <a:ea typeface="等线" panose="02010600030101010101" pitchFamily="2" charset="-122"/>
-                <a:cs typeface="Quicksand"/>
-                <a:sym typeface="Quicksand"/>
-              </a:rPr>
-              <a:t>     Display the result.</a:t>
-            </a:r>
-            <a:endParaRPr>
+              <a:rPr lang="zh-CN" altLang="en-US" dirty="0">
+                <a:solidFill>
+                  <a:schemeClr val="dk1"/>
+                </a:solidFill>
+                <a:latin typeface="Segoe UI" panose="020B0502040204020203" pitchFamily="34" charset="0"/>
+                <a:ea typeface="等线" panose="02010600030101010101" pitchFamily="2" charset="-122"/>
+                <a:cs typeface="Quicksand"/>
+                <a:sym typeface="Quicksand"/>
+              </a:rPr>
+              <a:t>显示结果。</a:t>
+            </a:r>
+            <a:endParaRPr dirty="0">
               <a:solidFill>
                 <a:schemeClr val="dk1"/>
               </a:solidFill>
@@ -16717,17 +16860,9 @@
           </a:bodyPr>
           <a:lstStyle/>
           <a:p>
-            <a:pPr marL="0" lvl="0" indent="0" algn="l" rtl="0">
-              <a:spcBef>
-                <a:spcPts val="0"/>
-              </a:spcBef>
-              <a:spcAft>
-                <a:spcPts val="0"/>
-              </a:spcAft>
-              <a:buNone/>
-            </a:pPr>
-            <a:r>
-              <a:rPr lang="en-GB" sz="2400" b="1">
+            <a:pPr lvl="0"/>
+            <a:r>
+              <a:rPr lang="zh-CN" altLang="en-US" sz="2400" b="1" dirty="0">
                 <a:solidFill>
                   <a:schemeClr val="accent6"/>
                 </a:solidFill>
@@ -16736,9 +16871,9 @@
                 <a:cs typeface="Quicksand"/>
                 <a:sym typeface="Quicksand"/>
               </a:rPr>
-              <a:t>Order matters</a:t>
-            </a:r>
-            <a:endParaRPr sz="2400">
+              <a:t>顺序很重要</a:t>
+            </a:r>
+            <a:endParaRPr sz="2400" dirty="0">
               <a:solidFill>
                 <a:schemeClr val="accent6"/>
               </a:solidFill>
@@ -16813,8 +16948,8 @@
         </p:nvSpPr>
         <p:spPr>
           <a:xfrm>
-            <a:off x="310900" y="1322525"/>
-            <a:ext cx="4096500" cy="2348400"/>
+            <a:off x="310900" y="1322524"/>
+            <a:ext cx="4096500" cy="2728691"/>
           </a:xfrm>
           <a:prstGeom prst="rect">
             <a:avLst/>
@@ -16830,31 +16965,24 @@
           </a:bodyPr>
           <a:lstStyle/>
           <a:p>
-            <a:pPr marL="0" lvl="0" indent="0" algn="l" rtl="0">
+            <a:pPr lvl="0">
               <a:lnSpc>
                 <a:spcPct val="115000"/>
               </a:lnSpc>
-              <a:spcBef>
-                <a:spcPts val="0"/>
-              </a:spcBef>
-              <a:spcAft>
-                <a:spcPts val="0"/>
-              </a:spcAft>
-              <a:buNone/>
             </a:pPr>
             <a:r>
-              <a:rPr lang="en-GB" sz="1800">
-                <a:solidFill>
-                  <a:schemeClr val="dk1"/>
-                </a:solidFill>
-                <a:latin typeface="Segoe UI" panose="020B0502040204020203" pitchFamily="34" charset="0"/>
-                <a:ea typeface="等线" panose="02010600030101010101" pitchFamily="2" charset="-122"/>
-                <a:cs typeface="Quicksand"/>
-                <a:sym typeface="Quicksand"/>
-              </a:rPr>
-              <a:t>You will be given a program that is supposed to convert a length of time from seconds to minutes. </a:t>
-            </a:r>
-            <a:endParaRPr sz="1800">
+              <a:rPr lang="zh-CN" altLang="en-US" sz="1800" dirty="0">
+                <a:solidFill>
+                  <a:schemeClr val="dk1"/>
+                </a:solidFill>
+                <a:latin typeface="Segoe UI" panose="020B0502040204020203" pitchFamily="34" charset="0"/>
+                <a:ea typeface="等线" panose="02010600030101010101" pitchFamily="2" charset="-122"/>
+                <a:cs typeface="Quicksand"/>
+                <a:sym typeface="Quicksand"/>
+              </a:rPr>
+              <a:t>您将获得一个程序，该程序应该将时间长度从几秒钟转换为分钟。</a:t>
+            </a:r>
+            <a:endParaRPr lang="en-US" altLang="zh-CN" sz="1800" dirty="0">
               <a:solidFill>
                 <a:schemeClr val="dk1"/>
               </a:solidFill>
@@ -16865,43 +16993,12 @@
             </a:endParaRPr>
           </a:p>
           <a:p>
-            <a:pPr marL="0" lvl="0" indent="0" algn="l" rtl="0">
+            <a:pPr lvl="0">
               <a:lnSpc>
                 <a:spcPct val="115000"/>
               </a:lnSpc>
-              <a:spcBef>
-                <a:spcPts val="1600"/>
-              </a:spcBef>
-              <a:spcAft>
-                <a:spcPts val="0"/>
-              </a:spcAft>
-              <a:buNone/>
             </a:pPr>
-            <a:r>
-              <a:rPr lang="en-GB" sz="1800" b="1">
-                <a:solidFill>
-                  <a:schemeClr val="dk1"/>
-                </a:solidFill>
-                <a:latin typeface="Segoe UI" panose="020B0502040204020203" pitchFamily="34" charset="0"/>
-                <a:ea typeface="等线" panose="02010600030101010101" pitchFamily="2" charset="-122"/>
-                <a:cs typeface="Quicksand"/>
-                <a:sym typeface="Quicksand"/>
-              </a:rPr>
-              <a:t>Rearrange</a:t>
-            </a:r>
-            <a:r>
-              <a:rPr lang="en-GB" sz="1800">
-                <a:solidFill>
-                  <a:schemeClr val="dk1"/>
-                </a:solidFill>
-                <a:latin typeface="Segoe UI" panose="020B0502040204020203" pitchFamily="34" charset="0"/>
-                <a:ea typeface="等线" panose="02010600030101010101" pitchFamily="2" charset="-122"/>
-                <a:cs typeface="Quicksand"/>
-                <a:sym typeface="Quicksand"/>
-              </a:rPr>
-              <a:t> (change the order of) the statements, so that the program runs to completion without errors.</a:t>
-            </a:r>
-            <a:endParaRPr sz="1800">
+            <a:endParaRPr lang="en-US" sz="1800" b="1" dirty="0">
               <a:solidFill>
                 <a:schemeClr val="dk1"/>
               </a:solidFill>
@@ -16912,55 +17009,80 @@
             </a:endParaRPr>
           </a:p>
           <a:p>
-            <a:pPr marL="0" lvl="0" indent="0" algn="l" rtl="0">
+            <a:pPr lvl="0">
               <a:lnSpc>
                 <a:spcPct val="115000"/>
               </a:lnSpc>
-              <a:spcBef>
-                <a:spcPts val="1600"/>
-              </a:spcBef>
-              <a:spcAft>
-                <a:spcPts val="1600"/>
-              </a:spcAft>
-              <a:buNone/>
             </a:pPr>
             <a:r>
-              <a:rPr lang="en-GB" sz="1800">
-                <a:solidFill>
-                  <a:schemeClr val="dk1"/>
-                </a:solidFill>
-                <a:latin typeface="Segoe UI" panose="020B0502040204020203" pitchFamily="34" charset="0"/>
-                <a:ea typeface="等线" panose="02010600030101010101" pitchFamily="2" charset="-122"/>
-                <a:cs typeface="Quicksand"/>
-                <a:sym typeface="Quicksand"/>
-              </a:rPr>
-              <a:t>Use your </a:t>
-            </a:r>
-            <a:r>
-              <a:rPr lang="en-GB" sz="1800" b="1">
-                <a:solidFill>
-                  <a:schemeClr val="dk1"/>
-                </a:solidFill>
-                <a:latin typeface="Segoe UI" panose="020B0502040204020203" pitchFamily="34" charset="0"/>
-                <a:ea typeface="等线" panose="02010600030101010101" pitchFamily="2" charset="-122"/>
-                <a:cs typeface="Quicksand"/>
-                <a:sym typeface="Quicksand"/>
-              </a:rPr>
-              <a:t>worksheet</a:t>
-            </a:r>
-            <a:r>
-              <a:rPr lang="en-GB" sz="1800">
-                <a:solidFill>
-                  <a:schemeClr val="dk1"/>
-                </a:solidFill>
-                <a:latin typeface="Segoe UI" panose="020B0502040204020203" pitchFamily="34" charset="0"/>
-                <a:ea typeface="等线" panose="02010600030101010101" pitchFamily="2" charset="-122"/>
-                <a:cs typeface="Quicksand"/>
-                <a:sym typeface="Quicksand"/>
-              </a:rPr>
-              <a:t>.</a:t>
-            </a:r>
-            <a:endParaRPr sz="1800">
+              <a:rPr lang="zh-CN" altLang="en-US" sz="1800" b="1" dirty="0">
+                <a:solidFill>
+                  <a:schemeClr val="dk1"/>
+                </a:solidFill>
+                <a:latin typeface="Segoe UI" panose="020B0502040204020203" pitchFamily="34" charset="0"/>
+                <a:ea typeface="等线" panose="02010600030101010101" pitchFamily="2" charset="-122"/>
+                <a:cs typeface="Quicksand"/>
+                <a:sym typeface="Quicksand"/>
+              </a:rPr>
+              <a:t>重新排列</a:t>
+            </a:r>
+            <a:r>
+              <a:rPr lang="zh-CN" altLang="en-US" sz="1800" dirty="0">
+                <a:solidFill>
+                  <a:schemeClr val="dk1"/>
+                </a:solidFill>
+                <a:latin typeface="Segoe UI" panose="020B0502040204020203" pitchFamily="34" charset="0"/>
+                <a:ea typeface="等线" panose="02010600030101010101" pitchFamily="2" charset="-122"/>
+                <a:cs typeface="Quicksand"/>
+                <a:sym typeface="Quicksand"/>
+              </a:rPr>
+              <a:t>（更改）语句的顺序，以便程序运行到完成而不会出错。</a:t>
+            </a:r>
+            <a:endParaRPr lang="en-US" altLang="zh-CN" sz="1800" dirty="0">
+              <a:solidFill>
+                <a:schemeClr val="dk1"/>
+              </a:solidFill>
+              <a:latin typeface="Segoe UI" panose="020B0502040204020203" pitchFamily="34" charset="0"/>
+              <a:ea typeface="等线" panose="02010600030101010101" pitchFamily="2" charset="-122"/>
+              <a:cs typeface="Quicksand"/>
+              <a:sym typeface="Quicksand"/>
+            </a:endParaRPr>
+          </a:p>
+          <a:p>
+            <a:pPr lvl="0">
+              <a:lnSpc>
+                <a:spcPct val="115000"/>
+              </a:lnSpc>
+            </a:pPr>
+            <a:endParaRPr lang="en-US" sz="1800" b="1" dirty="0">
+              <a:solidFill>
+                <a:schemeClr val="dk1"/>
+              </a:solidFill>
+              <a:latin typeface="Segoe UI" panose="020B0502040204020203" pitchFamily="34" charset="0"/>
+              <a:ea typeface="等线" panose="02010600030101010101" pitchFamily="2" charset="-122"/>
+              <a:cs typeface="Quicksand"/>
+              <a:sym typeface="Quicksand"/>
+            </a:endParaRPr>
+          </a:p>
+          <a:p>
+            <a:pPr lvl="0">
+              <a:lnSpc>
+                <a:spcPct val="115000"/>
+              </a:lnSpc>
+            </a:pPr>
+            <a:r>
+              <a:rPr lang="zh-CN" altLang="en-US" sz="1800" dirty="0">
+                <a:solidFill>
+                  <a:schemeClr val="dk1"/>
+                </a:solidFill>
+                <a:latin typeface="Segoe UI" panose="020B0502040204020203" pitchFamily="34" charset="0"/>
+                <a:ea typeface="等线" panose="02010600030101010101" pitchFamily="2" charset="-122"/>
+                <a:cs typeface="Quicksand"/>
+                <a:sym typeface="Quicksand"/>
+              </a:rPr>
+              <a:t>使用工作表。</a:t>
+            </a:r>
+            <a:endParaRPr sz="1800" dirty="0">
               <a:solidFill>
                 <a:schemeClr val="dk1"/>
               </a:solidFill>
@@ -17116,23 +17238,22 @@
           </a:bodyPr>
           <a:lstStyle/>
           <a:p>
-            <a:pPr marL="0" lvl="0" indent="0" algn="r" rtl="0">
-              <a:spcBef>
-                <a:spcPts val="0"/>
-              </a:spcBef>
-              <a:spcAft>
-                <a:spcPts val="0"/>
-              </a:spcAft>
-              <a:buNone/>
-            </a:pPr>
-            <a:r>
-              <a:rPr lang="en-GB">
-                <a:latin typeface="Segoe UI" panose="020B0502040204020203" pitchFamily="34" charset="0"/>
-                <a:ea typeface="等线" panose="02010600030101010101" pitchFamily="2" charset="-122"/>
-              </a:rPr>
-              <a:t>Activity 2</a:t>
-            </a:r>
-            <a:endParaRPr>
+            <a:pPr marL="0" lvl="0" indent="0"/>
+            <a:r>
+              <a:rPr lang="zh-CN" altLang="en-US" dirty="0">
+                <a:latin typeface="Segoe UI" panose="020B0502040204020203" pitchFamily="34" charset="0"/>
+                <a:ea typeface="等线" panose="02010600030101010101" pitchFamily="2" charset="-122"/>
+              </a:rPr>
+              <a:t>活动 </a:t>
+            </a:r>
+            <a:r>
+              <a:rPr lang="en-US" altLang="zh-CN" dirty="0">
+                <a:latin typeface="Segoe UI" panose="020B0502040204020203" pitchFamily="34" charset="0"/>
+                <a:ea typeface="等线" panose="02010600030101010101" pitchFamily="2" charset="-122"/>
+              </a:rPr>
+              <a:t>2</a:t>
+            </a:r>
+            <a:endParaRPr dirty="0">
               <a:latin typeface="Segoe UI" panose="020B0502040204020203" pitchFamily="34" charset="0"/>
               <a:ea typeface="等线" panose="02010600030101010101" pitchFamily="2" charset="-122"/>
             </a:endParaRPr>
@@ -17164,28 +17285,20 @@
           </a:bodyPr>
           <a:lstStyle/>
           <a:p>
-            <a:pPr marL="0" lvl="0" indent="0" algn="l" rtl="0">
-              <a:spcBef>
-                <a:spcPts val="0"/>
-              </a:spcBef>
-              <a:spcAft>
-                <a:spcPts val="0"/>
-              </a:spcAft>
-              <a:buNone/>
-            </a:pPr>
-            <a:r>
-              <a:rPr lang="en-GB" sz="2400" b="1">
-                <a:solidFill>
-                  <a:schemeClr val="dk1"/>
-                </a:solidFill>
-                <a:latin typeface="Segoe UI" panose="020B0502040204020203" pitchFamily="34" charset="0"/>
-                <a:ea typeface="等线" panose="02010600030101010101" pitchFamily="2" charset="-122"/>
-                <a:cs typeface="Quicksand"/>
-                <a:sym typeface="Quicksand"/>
-              </a:rPr>
-              <a:t>Subtle points</a:t>
-            </a:r>
-            <a:endParaRPr sz="2400" b="1">
+            <a:pPr lvl="0"/>
+            <a:r>
+              <a:rPr lang="zh-CN" altLang="en-US" sz="2400" b="1" dirty="0">
+                <a:solidFill>
+                  <a:schemeClr val="dk1"/>
+                </a:solidFill>
+                <a:latin typeface="Segoe UI" panose="020B0502040204020203" pitchFamily="34" charset="0"/>
+                <a:ea typeface="等线" panose="02010600030101010101" pitchFamily="2" charset="-122"/>
+                <a:cs typeface="Quicksand"/>
+                <a:sym typeface="Quicksand"/>
+              </a:rPr>
+              <a:t>微妙之处</a:t>
+            </a:r>
+            <a:endParaRPr sz="2400" b="1" dirty="0">
               <a:solidFill>
                 <a:schemeClr val="dk1"/>
               </a:solidFill>
@@ -17408,7 +17521,7 @@
               <a:buNone/>
             </a:pPr>
             <a:r>
-              <a:rPr lang="en-GB">
+              <a:rPr lang="en-GB" dirty="0">
                 <a:solidFill>
                   <a:schemeClr val="lt1"/>
                 </a:solidFill>
@@ -17420,10 +17533,40 @@
                 <a:cs typeface="Quicksand"/>
                 <a:sym typeface="Quicksand"/>
               </a:rPr>
-              <a:t> Question </a:t>
-            </a:r>
-            <a:r>
-              <a:rPr lang="en-GB">
+              <a:t> </a:t>
+            </a:r>
+            <a:r>
+              <a:rPr lang="zh-CN" altLang="en-US" dirty="0">
+                <a:solidFill>
+                  <a:schemeClr val="lt1"/>
+                </a:solidFill>
+                <a:highlight>
+                  <a:schemeClr val="dk1"/>
+                </a:highlight>
+                <a:latin typeface="Segoe UI" panose="020B0502040204020203" pitchFamily="34" charset="0"/>
+                <a:ea typeface="等线" panose="02010600030101010101" pitchFamily="2" charset="-122"/>
+                <a:cs typeface="Quicksand"/>
+                <a:sym typeface="Quicksand"/>
+              </a:rPr>
+              <a:t>问题</a:t>
+            </a:r>
+            <a:r>
+              <a:rPr lang="en-GB" dirty="0">
+                <a:solidFill>
+                  <a:schemeClr val="lt1"/>
+                </a:solidFill>
+                <a:highlight>
+                  <a:schemeClr val="dk1"/>
+                </a:highlight>
+                <a:latin typeface="Segoe UI" panose="020B0502040204020203" pitchFamily="34" charset="0"/>
+                <a:ea typeface="等线" panose="02010600030101010101" pitchFamily="2" charset="-122"/>
+                <a:cs typeface="Quicksand"/>
+                <a:sym typeface="Quicksand"/>
+              </a:rPr>
+              <a:t> </a:t>
+            </a:r>
+            <a:r>
+              <a:rPr lang="en-GB" dirty="0">
                 <a:solidFill>
                   <a:schemeClr val="dk1"/>
                 </a:solidFill>
@@ -17434,7 +17577,7 @@
               </a:rPr>
               <a:t>. </a:t>
             </a:r>
-            <a:endParaRPr>
+            <a:endParaRPr dirty="0">
               <a:solidFill>
                 <a:schemeClr val="dk1"/>
               </a:solidFill>
@@ -17458,7 +17601,7 @@
               <a:buNone/>
             </a:pPr>
             <a:r>
-              <a:rPr lang="en-GB">
+              <a:rPr lang="en-GB" dirty="0">
                 <a:solidFill>
                   <a:schemeClr val="dk1"/>
                 </a:solidFill>
@@ -17470,7 +17613,7 @@
               <a:t>What will be the value of </a:t>
             </a:r>
             <a:r>
-              <a:rPr lang="en-GB">
+              <a:rPr lang="en-GB" dirty="0">
                 <a:solidFill>
                   <a:schemeClr val="dk1"/>
                 </a:solidFill>
@@ -17482,7 +17625,7 @@
               <a:t>double</a:t>
             </a:r>
             <a:r>
-              <a:rPr lang="en-GB">
+              <a:rPr lang="en-GB" dirty="0">
                 <a:solidFill>
                   <a:schemeClr val="dk1"/>
                 </a:solidFill>
@@ -17493,7 +17636,7 @@
               </a:rPr>
               <a:t>, after executing line     ?</a:t>
             </a:r>
-            <a:endParaRPr>
+            <a:endParaRPr dirty="0">
               <a:solidFill>
                 <a:schemeClr val="dk1"/>
               </a:solidFill>
@@ -17522,7 +17665,7 @@
               <a:buAutoNum type="alphaUcPeriod"/>
             </a:pPr>
             <a:r>
-              <a:rPr lang="en-GB">
+              <a:rPr lang="en-GB" dirty="0">
                 <a:solidFill>
                   <a:schemeClr val="dk1"/>
                 </a:solidFill>
@@ -17533,7 +17676,7 @@
               </a:rPr>
               <a:t>10</a:t>
             </a:r>
-            <a:endParaRPr>
+            <a:endParaRPr dirty="0">
               <a:solidFill>
                 <a:schemeClr val="dk1"/>
               </a:solidFill>
@@ -17562,7 +17705,7 @@
               <a:buAutoNum type="alphaUcPeriod"/>
             </a:pPr>
             <a:r>
-              <a:rPr lang="en-GB">
+              <a:rPr lang="en-GB" dirty="0">
                 <a:solidFill>
                   <a:schemeClr val="dk1"/>
                 </a:solidFill>
@@ -17573,7 +17716,7 @@
               </a:rPr>
               <a:t>30</a:t>
             </a:r>
-            <a:endParaRPr>
+            <a:endParaRPr dirty="0">
               <a:solidFill>
                 <a:schemeClr val="dk1"/>
               </a:solidFill>
@@ -17602,7 +17745,7 @@
               <a:buAutoNum type="alphaUcPeriod"/>
             </a:pPr>
             <a:r>
-              <a:rPr lang="en-GB">
+              <a:rPr lang="en-GB" dirty="0">
                 <a:solidFill>
                   <a:schemeClr val="dk1"/>
                 </a:solidFill>
@@ -17614,7 +17757,7 @@
               <a:t>Line      is not a valid assignment: </a:t>
             </a:r>
             <a:r>
-              <a:rPr lang="en-GB">
+              <a:rPr lang="en-GB" dirty="0">
                 <a:solidFill>
                   <a:schemeClr val="dk1"/>
                 </a:solidFill>
@@ -17626,7 +17769,7 @@
               <a:t>number</a:t>
             </a:r>
             <a:r>
-              <a:rPr lang="en-GB">
+              <a:rPr lang="en-GB" dirty="0">
                 <a:solidFill>
                   <a:schemeClr val="dk1"/>
                 </a:solidFill>
@@ -17637,7 +17780,7 @@
               </a:rPr>
               <a:t> already has a value</a:t>
             </a:r>
-            <a:endParaRPr>
+            <a:endParaRPr dirty="0">
               <a:solidFill>
                 <a:schemeClr val="dk1"/>
               </a:solidFill>
@@ -17999,7 +18142,7 @@
                 <a:buNone/>
               </a:pPr>
               <a:r>
-                <a:rPr lang="en-GB">
+                <a:rPr lang="en-GB" dirty="0">
                   <a:solidFill>
                     <a:schemeClr val="lt1"/>
                   </a:solidFill>
@@ -18011,10 +18154,40 @@
                   <a:cs typeface="Quicksand"/>
                   <a:sym typeface="Quicksand"/>
                 </a:rPr>
-                <a:t> Why </a:t>
+                <a:t> </a:t>
               </a:r>
               <a:r>
-                <a:rPr lang="en-GB">
+                <a:rPr lang="zh-CN" altLang="en-US" dirty="0">
+                  <a:solidFill>
+                    <a:schemeClr val="lt1"/>
+                  </a:solidFill>
+                  <a:highlight>
+                    <a:schemeClr val="dk1"/>
+                  </a:highlight>
+                  <a:latin typeface="Segoe UI" panose="020B0502040204020203" pitchFamily="34" charset="0"/>
+                  <a:ea typeface="等线" panose="02010600030101010101" pitchFamily="2" charset="-122"/>
+                  <a:cs typeface="Quicksand"/>
+                  <a:sym typeface="Quicksand"/>
+                </a:rPr>
+                <a:t>为什么</a:t>
+              </a:r>
+              <a:r>
+                <a:rPr lang="en-GB" dirty="0">
+                  <a:solidFill>
+                    <a:schemeClr val="lt1"/>
+                  </a:solidFill>
+                  <a:highlight>
+                    <a:schemeClr val="dk1"/>
+                  </a:highlight>
+                  <a:latin typeface="Segoe UI" panose="020B0502040204020203" pitchFamily="34" charset="0"/>
+                  <a:ea typeface="等线" panose="02010600030101010101" pitchFamily="2" charset="-122"/>
+                  <a:cs typeface="Quicksand"/>
+                  <a:sym typeface="Quicksand"/>
+                </a:rPr>
+                <a:t> </a:t>
+              </a:r>
+              <a:r>
+                <a:rPr lang="en-GB" dirty="0">
                   <a:solidFill>
                     <a:schemeClr val="dk1"/>
                   </a:solidFill>
@@ -18025,7 +18198,7 @@
                 </a:rPr>
                 <a:t>. </a:t>
               </a:r>
-              <a:endParaRPr>
+              <a:endParaRPr dirty="0">
                 <a:solidFill>
                   <a:schemeClr val="dk1"/>
                 </a:solidFill>
@@ -18049,7 +18222,7 @@
                 <a:buNone/>
               </a:pPr>
               <a:r>
-                <a:rPr lang="en-GB">
+                <a:rPr lang="en-GB" dirty="0">
                   <a:solidFill>
                     <a:schemeClr val="dk1"/>
                   </a:solidFill>
@@ -18061,7 +18234,7 @@
                 <a:t>Line      only affects the </a:t>
               </a:r>
               <a:r>
-                <a:rPr lang="en-GB">
+                <a:rPr lang="en-GB" dirty="0">
                   <a:solidFill>
                     <a:schemeClr val="dk1"/>
                   </a:solidFill>
@@ -18073,7 +18246,7 @@
                 <a:t>number</a:t>
               </a:r>
               <a:r>
-                <a:rPr lang="en-GB">
+                <a:rPr lang="en-GB" dirty="0">
                   <a:solidFill>
                     <a:schemeClr val="dk1"/>
                   </a:solidFill>
@@ -18084,7 +18257,7 @@
                 </a:rPr>
                 <a:t> variable. </a:t>
               </a:r>
-              <a:endParaRPr>
+              <a:endParaRPr dirty="0">
                 <a:solidFill>
                   <a:schemeClr val="dk1"/>
                 </a:solidFill>
@@ -18108,7 +18281,7 @@
                 <a:buNone/>
               </a:pPr>
               <a:r>
-                <a:rPr lang="en-GB">
+                <a:rPr lang="en-GB" dirty="0">
                   <a:solidFill>
                     <a:schemeClr val="dk1"/>
                   </a:solidFill>
@@ -18120,7 +18293,7 @@
                 <a:t>The value of </a:t>
               </a:r>
               <a:r>
-                <a:rPr lang="en-GB">
+                <a:rPr lang="en-GB" dirty="0">
                   <a:solidFill>
                     <a:schemeClr val="dk1"/>
                   </a:solidFill>
@@ -18132,7 +18305,7 @@
                 <a:t>double</a:t>
               </a:r>
               <a:r>
-                <a:rPr lang="en-GB">
+                <a:rPr lang="en-GB" dirty="0">
                   <a:solidFill>
                     <a:schemeClr val="dk1"/>
                   </a:solidFill>
@@ -18143,7 +18316,7 @@
                 </a:rPr>
                 <a:t> is not ‘updated’.</a:t>
               </a:r>
-              <a:endParaRPr>
+              <a:endParaRPr dirty="0">
                 <a:solidFill>
                   <a:schemeClr val="dk1"/>
                 </a:solidFill>
@@ -18464,23 +18637,22 @@
           </a:bodyPr>
           <a:lstStyle/>
           <a:p>
-            <a:pPr marL="0" lvl="0" indent="0" algn="r" rtl="0">
-              <a:spcBef>
-                <a:spcPts val="0"/>
-              </a:spcBef>
-              <a:spcAft>
-                <a:spcPts val="0"/>
-              </a:spcAft>
-              <a:buNone/>
-            </a:pPr>
-            <a:r>
-              <a:rPr lang="en-GB">
-                <a:latin typeface="Segoe UI" panose="020B0502040204020203" pitchFamily="34" charset="0"/>
-                <a:ea typeface="等线" panose="02010600030101010101" pitchFamily="2" charset="-122"/>
-              </a:rPr>
-              <a:t>Activity 2</a:t>
-            </a:r>
-            <a:endParaRPr>
+            <a:pPr marL="0" lvl="0" indent="0"/>
+            <a:r>
+              <a:rPr lang="zh-CN" altLang="en-US" dirty="0">
+                <a:latin typeface="Segoe UI" panose="020B0502040204020203" pitchFamily="34" charset="0"/>
+                <a:ea typeface="等线" panose="02010600030101010101" pitchFamily="2" charset="-122"/>
+              </a:rPr>
+              <a:t>活动 </a:t>
+            </a:r>
+            <a:r>
+              <a:rPr lang="en-US" altLang="zh-CN" dirty="0">
+                <a:latin typeface="Segoe UI" panose="020B0502040204020203" pitchFamily="34" charset="0"/>
+                <a:ea typeface="等线" panose="02010600030101010101" pitchFamily="2" charset="-122"/>
+              </a:rPr>
+              <a:t>2</a:t>
+            </a:r>
+            <a:endParaRPr lang="zh-CN" altLang="en-US" dirty="0">
               <a:latin typeface="Segoe UI" panose="020B0502040204020203" pitchFamily="34" charset="0"/>
               <a:ea typeface="等线" panose="02010600030101010101" pitchFamily="2" charset="-122"/>
             </a:endParaRPr>
@@ -30574,17 +30746,9 @@
           </a:bodyPr>
           <a:lstStyle/>
           <a:p>
-            <a:pPr marL="0" lvl="0" indent="0" algn="l" rtl="0">
-              <a:spcBef>
-                <a:spcPts val="0"/>
-              </a:spcBef>
-              <a:spcAft>
-                <a:spcPts val="0"/>
-              </a:spcAft>
-              <a:buNone/>
-            </a:pPr>
-            <a:r>
-              <a:rPr lang="en-GB" sz="2400" b="1">
+            <a:pPr lvl="0"/>
+            <a:r>
+              <a:rPr lang="zh-CN" altLang="en-US" sz="2400" b="1" dirty="0">
                 <a:solidFill>
                   <a:schemeClr val="accent6"/>
                 </a:solidFill>
@@ -30593,10 +30757,10 @@
                 <a:cs typeface="Quicksand"/>
                 <a:sym typeface="Quicksand"/>
               </a:rPr>
-              <a:t>Arithmetic operators </a:t>
-            </a:r>
-            <a:r>
-              <a:rPr lang="en-GB" sz="2400">
+              <a:t>算术运算符（在 </a:t>
+            </a:r>
+            <a:r>
+              <a:rPr lang="en-US" altLang="zh-CN" sz="2400" b="1" dirty="0">
                 <a:solidFill>
                   <a:schemeClr val="accent6"/>
                 </a:solidFill>
@@ -30605,9 +30769,21 @@
                 <a:cs typeface="Quicksand"/>
                 <a:sym typeface="Quicksand"/>
               </a:rPr>
-              <a:t>(in Python)</a:t>
-            </a:r>
-            <a:endParaRPr sz="2400">
+              <a:t>Python </a:t>
+            </a:r>
+            <a:r>
+              <a:rPr lang="zh-CN" altLang="en-US" sz="2400" b="1" dirty="0">
+                <a:solidFill>
+                  <a:schemeClr val="accent6"/>
+                </a:solidFill>
+                <a:latin typeface="Segoe UI" panose="020B0502040204020203" pitchFamily="34" charset="0"/>
+                <a:ea typeface="等线" panose="02010600030101010101" pitchFamily="2" charset="-122"/>
+                <a:cs typeface="Quicksand"/>
+                <a:sym typeface="Quicksand"/>
+              </a:rPr>
+              <a:t>中）</a:t>
+            </a:r>
+            <a:endParaRPr sz="2400" dirty="0">
               <a:solidFill>
                 <a:schemeClr val="accent6"/>
               </a:solidFill>
@@ -30699,31 +30875,27 @@
           </a:bodyPr>
           <a:lstStyle/>
           <a:p>
-            <a:pPr marL="0" lvl="0" indent="0" algn="l" rtl="0">
+            <a:pPr lvl="0">
               <a:lnSpc>
                 <a:spcPct val="114000"/>
               </a:lnSpc>
-              <a:spcBef>
-                <a:spcPts val="0"/>
-              </a:spcBef>
               <a:spcAft>
                 <a:spcPts val="1000"/>
               </a:spcAft>
-              <a:buNone/>
             </a:pPr>
             <a:r>
-              <a:rPr lang="en-GB" sz="1800">
-                <a:solidFill>
-                  <a:schemeClr val="dk1"/>
-                </a:solidFill>
-                <a:latin typeface="Segoe UI" panose="020B0502040204020203" pitchFamily="34" charset="0"/>
-                <a:ea typeface="等线" panose="02010600030101010101" pitchFamily="2" charset="-122"/>
-                <a:cs typeface="Quicksand"/>
-                <a:sym typeface="Quicksand"/>
-              </a:rPr>
-              <a:t>You can use these operators to form arithmetic expressions.</a:t>
-            </a:r>
-            <a:endParaRPr sz="1800">
+              <a:rPr lang="zh-CN" altLang="en-US" sz="1800" dirty="0">
+                <a:solidFill>
+                  <a:schemeClr val="dk1"/>
+                </a:solidFill>
+                <a:latin typeface="Segoe UI" panose="020B0502040204020203" pitchFamily="34" charset="0"/>
+                <a:ea typeface="等线" panose="02010600030101010101" pitchFamily="2" charset="-122"/>
+                <a:cs typeface="Quicksand"/>
+                <a:sym typeface="Quicksand"/>
+              </a:rPr>
+              <a:t>您可以使用这些运算符来形成算术表达式。</a:t>
+            </a:r>
+            <a:endParaRPr sz="1800" dirty="0">
               <a:solidFill>
                 <a:schemeClr val="dk1"/>
               </a:solidFill>
@@ -30760,20 +30932,13 @@
           </a:bodyPr>
           <a:lstStyle/>
           <a:p>
-            <a:pPr marL="0" lvl="0" indent="0" algn="l" rtl="0">
+            <a:pPr lvl="0">
               <a:lnSpc>
                 <a:spcPct val="112000"/>
               </a:lnSpc>
-              <a:spcBef>
-                <a:spcPts val="0"/>
-              </a:spcBef>
-              <a:spcAft>
-                <a:spcPts val="0"/>
-              </a:spcAft>
-              <a:buNone/>
             </a:pPr>
             <a:r>
-              <a:rPr lang="en-GB">
+              <a:rPr lang="en-GB" dirty="0">
                 <a:solidFill>
                   <a:schemeClr val="dk1"/>
                 </a:solidFill>
@@ -30785,18 +30950,30 @@
               <a:t>+</a:t>
             </a:r>
             <a:r>
-              <a:rPr lang="en-GB">
-                <a:solidFill>
-                  <a:schemeClr val="dk1"/>
-                </a:solidFill>
-                <a:latin typeface="Segoe UI" panose="020B0502040204020203" pitchFamily="34" charset="0"/>
-                <a:ea typeface="等线" panose="02010600030101010101" pitchFamily="2" charset="-122"/>
-                <a:cs typeface="Quicksand"/>
-                <a:sym typeface="Quicksand"/>
-              </a:rPr>
-              <a:t>		addition</a:t>
-            </a:r>
-            <a:endParaRPr>
+              <a:rPr lang="en-GB" dirty="0">
+                <a:solidFill>
+                  <a:schemeClr val="dk1"/>
+                </a:solidFill>
+                <a:latin typeface="Segoe UI" panose="020B0502040204020203" pitchFamily="34" charset="0"/>
+                <a:ea typeface="等线" panose="02010600030101010101" pitchFamily="2" charset="-122"/>
+                <a:cs typeface="Quicksand"/>
+                <a:sym typeface="Quicksand"/>
+              </a:rPr>
+              <a:t>		</a:t>
+            </a:r>
+            <a:r>
+              <a:rPr lang="zh-CN" altLang="en-US" dirty="0">
+                <a:solidFill>
+                  <a:schemeClr val="dk1"/>
+                </a:solidFill>
+                <a:latin typeface="Segoe UI" panose="020B0502040204020203" pitchFamily="34" charset="0"/>
+                <a:ea typeface="等线" panose="02010600030101010101" pitchFamily="2" charset="-122"/>
+                <a:cs typeface="Quicksand"/>
+                <a:sym typeface="Quicksand"/>
+              </a:rPr>
+              <a:t>加法</a:t>
+            </a:r>
+            <a:endParaRPr dirty="0">
               <a:solidFill>
                 <a:schemeClr val="dk1"/>
               </a:solidFill>
@@ -30820,7 +30997,7 @@
               <a:buNone/>
             </a:pPr>
             <a:r>
-              <a:rPr lang="en-GB">
+              <a:rPr lang="en-GB" dirty="0">
                 <a:solidFill>
                   <a:schemeClr val="dk1"/>
                 </a:solidFill>
@@ -30832,18 +31009,30 @@
               <a:t>-</a:t>
             </a:r>
             <a:r>
-              <a:rPr lang="en-GB">
-                <a:solidFill>
-                  <a:schemeClr val="dk1"/>
-                </a:solidFill>
-                <a:latin typeface="Segoe UI" panose="020B0502040204020203" pitchFamily="34" charset="0"/>
-                <a:ea typeface="等线" panose="02010600030101010101" pitchFamily="2" charset="-122"/>
-                <a:cs typeface="Quicksand"/>
-                <a:sym typeface="Quicksand"/>
-              </a:rPr>
-              <a:t>		difference</a:t>
-            </a:r>
-            <a:endParaRPr>
+              <a:rPr lang="en-GB" dirty="0">
+                <a:solidFill>
+                  <a:schemeClr val="dk1"/>
+                </a:solidFill>
+                <a:latin typeface="Segoe UI" panose="020B0502040204020203" pitchFamily="34" charset="0"/>
+                <a:ea typeface="等线" panose="02010600030101010101" pitchFamily="2" charset="-122"/>
+                <a:cs typeface="Quicksand"/>
+                <a:sym typeface="Quicksand"/>
+              </a:rPr>
+              <a:t>		</a:t>
+            </a:r>
+            <a:r>
+              <a:rPr lang="zh-CN" altLang="en-US" dirty="0">
+                <a:solidFill>
+                  <a:schemeClr val="dk1"/>
+                </a:solidFill>
+                <a:latin typeface="Segoe UI" panose="020B0502040204020203" pitchFamily="34" charset="0"/>
+                <a:ea typeface="等线" panose="02010600030101010101" pitchFamily="2" charset="-122"/>
+                <a:cs typeface="Quicksand"/>
+                <a:sym typeface="Quicksand"/>
+              </a:rPr>
+              <a:t>减法</a:t>
+            </a:r>
+            <a:endParaRPr dirty="0">
               <a:solidFill>
                 <a:schemeClr val="dk1"/>
               </a:solidFill>
@@ -30867,7 +31056,7 @@
               <a:buNone/>
             </a:pPr>
             <a:r>
-              <a:rPr lang="en-GB">
+              <a:rPr lang="en-GB" dirty="0">
                 <a:solidFill>
                   <a:schemeClr val="dk1"/>
                 </a:solidFill>
@@ -30879,18 +31068,30 @@
               <a:t>*	</a:t>
             </a:r>
             <a:r>
-              <a:rPr lang="en-GB">
-                <a:solidFill>
-                  <a:schemeClr val="dk1"/>
-                </a:solidFill>
-                <a:latin typeface="Segoe UI" panose="020B0502040204020203" pitchFamily="34" charset="0"/>
-                <a:ea typeface="等线" panose="02010600030101010101" pitchFamily="2" charset="-122"/>
-                <a:cs typeface="Quicksand"/>
-                <a:sym typeface="Quicksand"/>
-              </a:rPr>
-              <a:t>	multiplication</a:t>
-            </a:r>
-            <a:endParaRPr>
+              <a:rPr lang="en-GB" dirty="0">
+                <a:solidFill>
+                  <a:schemeClr val="dk1"/>
+                </a:solidFill>
+                <a:latin typeface="Segoe UI" panose="020B0502040204020203" pitchFamily="34" charset="0"/>
+                <a:ea typeface="等线" panose="02010600030101010101" pitchFamily="2" charset="-122"/>
+                <a:cs typeface="Quicksand"/>
+                <a:sym typeface="Quicksand"/>
+              </a:rPr>
+              <a:t>	</a:t>
+            </a:r>
+            <a:r>
+              <a:rPr lang="zh-CN" altLang="en-US" dirty="0">
+                <a:solidFill>
+                  <a:schemeClr val="dk1"/>
+                </a:solidFill>
+                <a:latin typeface="Segoe UI" panose="020B0502040204020203" pitchFamily="34" charset="0"/>
+                <a:ea typeface="等线" panose="02010600030101010101" pitchFamily="2" charset="-122"/>
+                <a:cs typeface="Quicksand"/>
+                <a:sym typeface="Quicksand"/>
+              </a:rPr>
+              <a:t>乘法</a:t>
+            </a:r>
+            <a:endParaRPr dirty="0">
               <a:solidFill>
                 <a:schemeClr val="dk1"/>
               </a:solidFill>
@@ -30914,7 +31115,7 @@
               <a:buNone/>
             </a:pPr>
             <a:r>
-              <a:rPr lang="en-GB">
+              <a:rPr lang="en-GB" dirty="0">
                 <a:solidFill>
                   <a:schemeClr val="dk1"/>
                 </a:solidFill>
@@ -30926,18 +31127,30 @@
               <a:t>/</a:t>
             </a:r>
             <a:r>
-              <a:rPr lang="en-GB">
-                <a:solidFill>
-                  <a:schemeClr val="dk1"/>
-                </a:solidFill>
-                <a:latin typeface="Segoe UI" panose="020B0502040204020203" pitchFamily="34" charset="0"/>
-                <a:ea typeface="等线" panose="02010600030101010101" pitchFamily="2" charset="-122"/>
-                <a:cs typeface="Quicksand"/>
-                <a:sym typeface="Quicksand"/>
-              </a:rPr>
-              <a:t>		division</a:t>
-            </a:r>
-            <a:endParaRPr>
+              <a:rPr lang="en-GB" dirty="0">
+                <a:solidFill>
+                  <a:schemeClr val="dk1"/>
+                </a:solidFill>
+                <a:latin typeface="Segoe UI" panose="020B0502040204020203" pitchFamily="34" charset="0"/>
+                <a:ea typeface="等线" panose="02010600030101010101" pitchFamily="2" charset="-122"/>
+                <a:cs typeface="Quicksand"/>
+                <a:sym typeface="Quicksand"/>
+              </a:rPr>
+              <a:t>		</a:t>
+            </a:r>
+            <a:r>
+              <a:rPr lang="zh-CN" altLang="en-US" dirty="0">
+                <a:solidFill>
+                  <a:schemeClr val="dk1"/>
+                </a:solidFill>
+                <a:latin typeface="Segoe UI" panose="020B0502040204020203" pitchFamily="34" charset="0"/>
+                <a:ea typeface="等线" panose="02010600030101010101" pitchFamily="2" charset="-122"/>
+                <a:cs typeface="Quicksand"/>
+                <a:sym typeface="Quicksand"/>
+              </a:rPr>
+              <a:t>除法</a:t>
+            </a:r>
+            <a:endParaRPr dirty="0">
               <a:solidFill>
                 <a:schemeClr val="dk1"/>
               </a:solidFill>
@@ -30974,31 +31187,27 @@
           </a:bodyPr>
           <a:lstStyle/>
           <a:p>
-            <a:pPr marL="0" lvl="0" indent="0" algn="l" rtl="0">
+            <a:pPr lvl="0">
               <a:lnSpc>
                 <a:spcPct val="114000"/>
               </a:lnSpc>
-              <a:spcBef>
-                <a:spcPts val="0"/>
-              </a:spcBef>
               <a:spcAft>
                 <a:spcPts val="1000"/>
               </a:spcAft>
-              <a:buNone/>
             </a:pPr>
             <a:r>
-              <a:rPr lang="en-GB" b="1">
-                <a:solidFill>
-                  <a:schemeClr val="dk1"/>
-                </a:solidFill>
-                <a:latin typeface="Segoe UI" panose="020B0502040204020203" pitchFamily="34" charset="0"/>
-                <a:ea typeface="等线" panose="02010600030101010101" pitchFamily="2" charset="-122"/>
-                <a:cs typeface="Quicksand"/>
-                <a:sym typeface="Quicksand"/>
-              </a:rPr>
-              <a:t>Examples</a:t>
-            </a:r>
-            <a:endParaRPr b="1">
+              <a:rPr lang="zh-CN" altLang="en-US" b="1" dirty="0">
+                <a:solidFill>
+                  <a:schemeClr val="dk1"/>
+                </a:solidFill>
+                <a:latin typeface="Segoe UI" panose="020B0502040204020203" pitchFamily="34" charset="0"/>
+                <a:ea typeface="等线" panose="02010600030101010101" pitchFamily="2" charset="-122"/>
+                <a:cs typeface="Quicksand"/>
+                <a:sym typeface="Quicksand"/>
+              </a:rPr>
+              <a:t>例子</a:t>
+            </a:r>
+            <a:endParaRPr b="1" dirty="0">
               <a:solidFill>
                 <a:schemeClr val="dk1"/>
               </a:solidFill>
@@ -31048,7 +31257,7 @@
               <a:buNone/>
             </a:pPr>
             <a:r>
-              <a:rPr lang="en-GB">
+              <a:rPr lang="en-GB" dirty="0">
                 <a:solidFill>
                   <a:schemeClr val="dk1"/>
                 </a:solidFill>
@@ -31060,19 +31269,31 @@
               <a:t>a + 1		a</a:t>
             </a:r>
             <a:r>
-              <a:rPr lang="en-GB">
-                <a:solidFill>
-                  <a:schemeClr val="dk1"/>
-                </a:solidFill>
-                <a:latin typeface="Segoe UI" panose="020B0502040204020203" pitchFamily="34" charset="0"/>
-                <a:ea typeface="等线" panose="02010600030101010101" pitchFamily="2" charset="-122"/>
-                <a:cs typeface="Quicksand"/>
-                <a:sym typeface="Quicksand"/>
-              </a:rPr>
-              <a:t> plus 1</a:t>
-            </a:r>
-            <a:r>
-              <a:rPr lang="en-GB">
+              <a:rPr lang="zh-CN" altLang="en-US" dirty="0">
+                <a:solidFill>
+                  <a:schemeClr val="dk1"/>
+                </a:solidFill>
+                <a:latin typeface="Segoe UI" panose="020B0502040204020203" pitchFamily="34" charset="0"/>
+                <a:ea typeface="等线" panose="02010600030101010101" pitchFamily="2" charset="-122"/>
+                <a:cs typeface="Quicksand"/>
+                <a:sym typeface="Quicksand"/>
+              </a:rPr>
+              <a:t>加</a:t>
+            </a:r>
+            <a:r>
+              <a:rPr lang="en-GB" dirty="0">
+                <a:solidFill>
+                  <a:schemeClr val="dk1"/>
+                </a:solidFill>
+                <a:latin typeface="Segoe UI" panose="020B0502040204020203" pitchFamily="34" charset="0"/>
+                <a:ea typeface="等线" panose="02010600030101010101" pitchFamily="2" charset="-122"/>
+                <a:cs typeface="Quicksand"/>
+                <a:sym typeface="Quicksand"/>
+              </a:rPr>
+              <a:t>1</a:t>
+            </a:r>
+            <a:r>
+              <a:rPr lang="en-GB" dirty="0">
                 <a:solidFill>
                   <a:schemeClr val="dk1"/>
                 </a:solidFill>
@@ -31083,7 +31304,62 @@
               </a:rPr>
               <a:t> </a:t>
             </a:r>
-            <a:endParaRPr>
+            <a:endParaRPr dirty="0">
+              <a:solidFill>
+                <a:schemeClr val="dk1"/>
+              </a:solidFill>
+              <a:latin typeface="Segoe UI" panose="020B0502040204020203" pitchFamily="34" charset="0"/>
+              <a:ea typeface="等线" panose="02010600030101010101" pitchFamily="2" charset="-122"/>
+              <a:cs typeface="Roboto Mono"/>
+              <a:sym typeface="Roboto Mono"/>
+            </a:endParaRPr>
+          </a:p>
+          <a:p>
+            <a:pPr lvl="0">
+              <a:lnSpc>
+                <a:spcPct val="112000"/>
+              </a:lnSpc>
+              <a:spcBef>
+                <a:spcPts val="300"/>
+              </a:spcBef>
+            </a:pPr>
+            <a:r>
+              <a:rPr lang="en-GB" dirty="0">
+                <a:solidFill>
+                  <a:schemeClr val="dk1"/>
+                </a:solidFill>
+                <a:latin typeface="Segoe UI" panose="020B0502040204020203" pitchFamily="34" charset="0"/>
+                <a:ea typeface="等线" panose="02010600030101010101" pitchFamily="2" charset="-122"/>
+                <a:cs typeface="Roboto Mono"/>
+                <a:sym typeface="Roboto Mono"/>
+              </a:rPr>
+              <a:t>b - c		b</a:t>
+            </a:r>
+            <a:r>
+              <a:rPr lang="zh-CN" altLang="en-US" dirty="0">
+                <a:solidFill>
+                  <a:schemeClr val="dk1"/>
+                </a:solidFill>
+                <a:latin typeface="Segoe UI" panose="020B0502040204020203" pitchFamily="34" charset="0"/>
+                <a:ea typeface="等线" panose="02010600030101010101" pitchFamily="2" charset="-122"/>
+                <a:cs typeface="Quicksand"/>
+                <a:sym typeface="Quicksand"/>
+              </a:rPr>
+              <a:t>减去</a:t>
+            </a:r>
+            <a:r>
+              <a:rPr lang="en-GB" dirty="0">
+                <a:solidFill>
+                  <a:schemeClr val="dk1"/>
+                </a:solidFill>
+                <a:latin typeface="Segoe UI" panose="020B0502040204020203" pitchFamily="34" charset="0"/>
+                <a:ea typeface="等线" panose="02010600030101010101" pitchFamily="2" charset="-122"/>
+                <a:cs typeface="Roboto Mono"/>
+                <a:sym typeface="Roboto Mono"/>
+              </a:rPr>
+              <a:t>c</a:t>
+            </a:r>
+            <a:endParaRPr dirty="0">
               <a:solidFill>
                 <a:schemeClr val="dk1"/>
               </a:solidFill>
@@ -31107,7 +31383,7 @@
               <a:buNone/>
             </a:pPr>
             <a:r>
-              <a:rPr lang="en-GB">
+              <a:rPr lang="en-GB" dirty="0">
                 <a:solidFill>
                   <a:schemeClr val="dk1"/>
                 </a:solidFill>
@@ -31116,22 +31392,34 @@
                 <a:cs typeface="Roboto Mono"/>
                 <a:sym typeface="Roboto Mono"/>
               </a:rPr>
-              <a:t>b - c		b</a:t>
-            </a:r>
-            <a:r>
-              <a:rPr lang="en-GB">
-                <a:solidFill>
-                  <a:schemeClr val="dk1"/>
-                </a:solidFill>
-                <a:latin typeface="Segoe UI" panose="020B0502040204020203" pitchFamily="34" charset="0"/>
-                <a:ea typeface="等线" panose="02010600030101010101" pitchFamily="2" charset="-122"/>
-                <a:cs typeface="Quicksand"/>
-                <a:sym typeface="Quicksand"/>
-              </a:rPr>
-              <a:t> minus </a:t>
-            </a:r>
-            <a:r>
-              <a:rPr lang="en-GB">
+              <a:t>3 * d		</a:t>
+            </a:r>
+            <a:r>
+              <a:rPr lang="en-GB" dirty="0">
+                <a:solidFill>
+                  <a:schemeClr val="dk1"/>
+                </a:solidFill>
+                <a:latin typeface="Segoe UI" panose="020B0502040204020203" pitchFamily="34" charset="0"/>
+                <a:ea typeface="等线" panose="02010600030101010101" pitchFamily="2" charset="-122"/>
+                <a:cs typeface="Quicksand"/>
+                <a:sym typeface="Quicksand"/>
+              </a:rPr>
+              <a:t>3</a:t>
+            </a:r>
+            <a:r>
+              <a:rPr lang="zh-CN" altLang="en-US" dirty="0">
+                <a:solidFill>
+                  <a:schemeClr val="dk1"/>
+                </a:solidFill>
+                <a:latin typeface="Segoe UI" panose="020B0502040204020203" pitchFamily="34" charset="0"/>
+                <a:ea typeface="等线" panose="02010600030101010101" pitchFamily="2" charset="-122"/>
+                <a:cs typeface="Quicksand"/>
+                <a:sym typeface="Quicksand"/>
+              </a:rPr>
+              <a:t>乘以</a:t>
+            </a:r>
+            <a:r>
+              <a:rPr lang="en-GB" dirty="0">
                 <a:solidFill>
                   <a:schemeClr val="dk1"/>
                 </a:solidFill>
@@ -31140,9 +31428,9 @@
                 <a:cs typeface="Roboto Mono"/>
                 <a:sym typeface="Roboto Mono"/>
               </a:rPr>
-              <a:t>c</a:t>
-            </a:r>
-            <a:endParaRPr>
+              <a:t>d</a:t>
+            </a:r>
+            <a:endParaRPr dirty="0">
               <a:solidFill>
                 <a:schemeClr val="dk1"/>
               </a:solidFill>
@@ -31153,7 +31441,7 @@
             </a:endParaRPr>
           </a:p>
           <a:p>
-            <a:pPr marL="0" lvl="0" indent="0" algn="l" rtl="0">
+            <a:pPr lvl="0">
               <a:lnSpc>
                 <a:spcPct val="112000"/>
               </a:lnSpc>
@@ -31161,12 +31449,11 @@
                 <a:spcPts val="300"/>
               </a:spcBef>
               <a:spcAft>
-                <a:spcPts val="0"/>
-              </a:spcAft>
-              <a:buNone/>
+                <a:spcPts val="300"/>
+              </a:spcAft>
             </a:pPr>
             <a:r>
-              <a:rPr lang="en-GB">
+              <a:rPr lang="en-GB" dirty="0">
                 <a:solidFill>
                   <a:schemeClr val="dk1"/>
                 </a:solidFill>
@@ -31175,80 +31462,45 @@
                 <a:cs typeface="Roboto Mono"/>
                 <a:sym typeface="Roboto Mono"/>
               </a:rPr>
-              <a:t>3 * d		</a:t>
-            </a:r>
-            <a:r>
-              <a:rPr lang="en-GB">
-                <a:solidFill>
-                  <a:schemeClr val="dk1"/>
-                </a:solidFill>
-                <a:latin typeface="Segoe UI" panose="020B0502040204020203" pitchFamily="34" charset="0"/>
-                <a:ea typeface="等线" panose="02010600030101010101" pitchFamily="2" charset="-122"/>
-                <a:cs typeface="Quicksand"/>
-                <a:sym typeface="Quicksand"/>
-              </a:rPr>
-              <a:t>3 times </a:t>
-            </a:r>
-            <a:r>
-              <a:rPr lang="en-GB">
-                <a:solidFill>
-                  <a:schemeClr val="dk1"/>
-                </a:solidFill>
-                <a:latin typeface="Segoe UI" panose="020B0502040204020203" pitchFamily="34" charset="0"/>
-                <a:ea typeface="等线" panose="02010600030101010101" pitchFamily="2" charset="-122"/>
-                <a:cs typeface="Roboto Mono"/>
-                <a:sym typeface="Roboto Mono"/>
-              </a:rPr>
-              <a:t>d</a:t>
-            </a:r>
-            <a:endParaRPr>
-              <a:solidFill>
-                <a:schemeClr val="dk1"/>
-              </a:solidFill>
-              <a:latin typeface="Segoe UI" panose="020B0502040204020203" pitchFamily="34" charset="0"/>
-              <a:ea typeface="等线" panose="02010600030101010101" pitchFamily="2" charset="-122"/>
-              <a:cs typeface="Roboto Mono"/>
-              <a:sym typeface="Roboto Mono"/>
-            </a:endParaRPr>
-          </a:p>
-          <a:p>
-            <a:pPr marL="0" lvl="0" indent="0" algn="l" rtl="0">
-              <a:lnSpc>
-                <a:spcPct val="112000"/>
-              </a:lnSpc>
-              <a:spcBef>
-                <a:spcPts val="300"/>
-              </a:spcBef>
-              <a:spcAft>
-                <a:spcPts val="300"/>
-              </a:spcAft>
-              <a:buNone/>
-            </a:pPr>
-            <a:r>
-              <a:rPr lang="en-GB">
-                <a:solidFill>
-                  <a:schemeClr val="dk1"/>
-                </a:solidFill>
-                <a:latin typeface="Segoe UI" panose="020B0502040204020203" pitchFamily="34" charset="0"/>
-                <a:ea typeface="等线" panose="02010600030101010101" pitchFamily="2" charset="-122"/>
-                <a:cs typeface="Roboto Mono"/>
-                <a:sym typeface="Roboto Mono"/>
-              </a:rPr>
               <a:t>9 / 4 		</a:t>
             </a:r>
             <a:r>
-              <a:rPr lang="en-GB">
-                <a:solidFill>
-                  <a:schemeClr val="dk1"/>
-                </a:solidFill>
-                <a:latin typeface="Segoe UI" panose="020B0502040204020203" pitchFamily="34" charset="0"/>
-                <a:ea typeface="等线" panose="02010600030101010101" pitchFamily="2" charset="-122"/>
-                <a:cs typeface="Quicksand"/>
-                <a:sym typeface="Quicksand"/>
-              </a:rPr>
-              <a:t>9 divided by 4 (value: 2.25)</a:t>
-            </a:r>
-            <a:endParaRPr>
+              <a:rPr lang="en-GB" dirty="0">
+                <a:solidFill>
+                  <a:schemeClr val="dk1"/>
+                </a:solidFill>
+                <a:latin typeface="Segoe UI" panose="020B0502040204020203" pitchFamily="34" charset="0"/>
+                <a:ea typeface="等线" panose="02010600030101010101" pitchFamily="2" charset="-122"/>
+                <a:cs typeface="Quicksand"/>
+                <a:sym typeface="Quicksand"/>
+              </a:rPr>
+              <a:t>9</a:t>
+            </a:r>
+            <a:r>
+              <a:rPr lang="zh-CN" altLang="en-US" dirty="0">
+                <a:solidFill>
+                  <a:schemeClr val="dk1"/>
+                </a:solidFill>
+                <a:latin typeface="Segoe UI" panose="020B0502040204020203" pitchFamily="34" charset="0"/>
+                <a:ea typeface="等线" panose="02010600030101010101" pitchFamily="2" charset="-122"/>
+                <a:cs typeface="Quicksand"/>
+                <a:sym typeface="Quicksand"/>
+              </a:rPr>
+              <a:t>除以</a:t>
+            </a:r>
+            <a:r>
+              <a:rPr lang="en-GB" dirty="0">
+                <a:solidFill>
+                  <a:schemeClr val="dk1"/>
+                </a:solidFill>
+                <a:latin typeface="Segoe UI" panose="020B0502040204020203" pitchFamily="34" charset="0"/>
+                <a:ea typeface="等线" panose="02010600030101010101" pitchFamily="2" charset="-122"/>
+                <a:cs typeface="Quicksand"/>
+                <a:sym typeface="Quicksand"/>
+              </a:rPr>
+              <a:t>4 (value: 2.25)</a:t>
+            </a:r>
+            <a:endParaRPr dirty="0">
               <a:solidFill>
                 <a:schemeClr val="dk1"/>
               </a:solidFill>
@@ -31285,20 +31537,13 @@
           </a:bodyPr>
           <a:lstStyle/>
           <a:p>
-            <a:pPr marL="0" lvl="0" indent="0" algn="l" rtl="0">
+            <a:pPr lvl="0">
               <a:lnSpc>
                 <a:spcPct val="112000"/>
               </a:lnSpc>
-              <a:spcBef>
-                <a:spcPts val="0"/>
-              </a:spcBef>
-              <a:spcAft>
-                <a:spcPts val="0"/>
-              </a:spcAft>
-              <a:buNone/>
             </a:pPr>
             <a:r>
-              <a:rPr lang="en-GB">
+              <a:rPr lang="en-GB" dirty="0">
                 <a:solidFill>
                   <a:schemeClr val="dk1"/>
                 </a:solidFill>
@@ -31310,18 +31555,30 @@
               <a:t>//</a:t>
             </a:r>
             <a:r>
-              <a:rPr lang="en-GB">
-                <a:solidFill>
-                  <a:schemeClr val="dk1"/>
-                </a:solidFill>
-                <a:latin typeface="Segoe UI" panose="020B0502040204020203" pitchFamily="34" charset="0"/>
-                <a:ea typeface="等线" panose="02010600030101010101" pitchFamily="2" charset="-122"/>
-                <a:cs typeface="Quicksand"/>
-                <a:sym typeface="Quicksand"/>
-              </a:rPr>
-              <a:t>		integer division</a:t>
-            </a:r>
-            <a:endParaRPr>
+              <a:rPr lang="en-GB" dirty="0">
+                <a:solidFill>
+                  <a:schemeClr val="dk1"/>
+                </a:solidFill>
+                <a:latin typeface="Segoe UI" panose="020B0502040204020203" pitchFamily="34" charset="0"/>
+                <a:ea typeface="等线" panose="02010600030101010101" pitchFamily="2" charset="-122"/>
+                <a:cs typeface="Quicksand"/>
+                <a:sym typeface="Quicksand"/>
+              </a:rPr>
+              <a:t>		</a:t>
+            </a:r>
+            <a:r>
+              <a:rPr lang="zh-CN" altLang="en-US" dirty="0">
+                <a:solidFill>
+                  <a:schemeClr val="dk1"/>
+                </a:solidFill>
+                <a:latin typeface="Segoe UI" panose="020B0502040204020203" pitchFamily="34" charset="0"/>
+                <a:ea typeface="等线" panose="02010600030101010101" pitchFamily="2" charset="-122"/>
+                <a:cs typeface="Quicksand"/>
+                <a:sym typeface="Quicksand"/>
+              </a:rPr>
+              <a:t>整数除法</a:t>
+            </a:r>
+            <a:endParaRPr dirty="0">
               <a:solidFill>
                 <a:schemeClr val="dk1"/>
               </a:solidFill>
@@ -31345,7 +31602,7 @@
               <a:buNone/>
             </a:pPr>
             <a:r>
-              <a:rPr lang="en-GB">
+              <a:rPr lang="en-GB" dirty="0">
                 <a:solidFill>
                   <a:schemeClr val="dk1"/>
                 </a:solidFill>
@@ -31357,18 +31614,30 @@
               <a:t>%</a:t>
             </a:r>
             <a:r>
-              <a:rPr lang="en-GB">
-                <a:solidFill>
-                  <a:schemeClr val="dk1"/>
-                </a:solidFill>
-                <a:latin typeface="Segoe UI" panose="020B0502040204020203" pitchFamily="34" charset="0"/>
-                <a:ea typeface="等线" panose="02010600030101010101" pitchFamily="2" charset="-122"/>
-                <a:cs typeface="Quicksand"/>
-                <a:sym typeface="Quicksand"/>
-              </a:rPr>
-              <a:t>		remainder of integer division</a:t>
-            </a:r>
-            <a:endParaRPr>
+              <a:rPr lang="en-GB" dirty="0">
+                <a:solidFill>
+                  <a:schemeClr val="dk1"/>
+                </a:solidFill>
+                <a:latin typeface="Segoe UI" panose="020B0502040204020203" pitchFamily="34" charset="0"/>
+                <a:ea typeface="等线" panose="02010600030101010101" pitchFamily="2" charset="-122"/>
+                <a:cs typeface="Quicksand"/>
+                <a:sym typeface="Quicksand"/>
+              </a:rPr>
+              <a:t>		</a:t>
+            </a:r>
+            <a:r>
+              <a:rPr lang="zh-CN" altLang="en-US" dirty="0">
+                <a:solidFill>
+                  <a:schemeClr val="dk1"/>
+                </a:solidFill>
+                <a:latin typeface="Segoe UI" panose="020B0502040204020203" pitchFamily="34" charset="0"/>
+                <a:ea typeface="等线" panose="02010600030101010101" pitchFamily="2" charset="-122"/>
+                <a:cs typeface="Quicksand"/>
+                <a:sym typeface="Quicksand"/>
+              </a:rPr>
+              <a:t>取余</a:t>
+            </a:r>
+            <a:endParaRPr dirty="0">
               <a:solidFill>
                 <a:schemeClr val="dk1"/>
               </a:solidFill>
@@ -31379,7 +31648,7 @@
             </a:endParaRPr>
           </a:p>
           <a:p>
-            <a:pPr marL="0" lvl="0" indent="0" algn="l" rtl="0">
+            <a:pPr lvl="0">
               <a:lnSpc>
                 <a:spcPct val="112000"/>
               </a:lnSpc>
@@ -31389,10 +31658,9 @@
               <a:spcAft>
                 <a:spcPts val="300"/>
               </a:spcAft>
-              <a:buNone/>
             </a:pPr>
             <a:r>
-              <a:rPr lang="en-GB">
+              <a:rPr lang="en-GB" dirty="0">
                 <a:solidFill>
                   <a:schemeClr val="dk1"/>
                 </a:solidFill>
@@ -31404,18 +31672,18 @@
               <a:t>**		</a:t>
             </a:r>
             <a:r>
-              <a:rPr lang="en-GB">
-                <a:solidFill>
-                  <a:schemeClr val="dk1"/>
-                </a:solidFill>
-                <a:latin typeface="Segoe UI" panose="020B0502040204020203" pitchFamily="34" charset="0"/>
-                <a:ea typeface="等线" panose="02010600030101010101" pitchFamily="2" charset="-122"/>
-                <a:cs typeface="Quicksand"/>
-                <a:sym typeface="Quicksand"/>
-              </a:rPr>
-              <a:t>exponentiation </a:t>
-            </a:r>
-            <a:endParaRPr>
+              <a:rPr lang="zh-CN" altLang="en-US" dirty="0">
+                <a:solidFill>
+                  <a:schemeClr val="dk1"/>
+                </a:solidFill>
+                <a:latin typeface="Segoe UI" panose="020B0502040204020203" pitchFamily="34" charset="0"/>
+                <a:ea typeface="等线" panose="02010600030101010101" pitchFamily="2" charset="-122"/>
+                <a:cs typeface="Quicksand"/>
+                <a:sym typeface="Quicksand"/>
+              </a:rPr>
+              <a:t>幂</a:t>
+            </a:r>
+            <a:endParaRPr dirty="0">
               <a:solidFill>
                 <a:schemeClr val="dk1"/>
               </a:solidFill>
@@ -31465,7 +31733,7 @@
               <a:buNone/>
             </a:pPr>
             <a:r>
-              <a:rPr lang="en-GB">
+              <a:rPr lang="en-GB" dirty="0">
                 <a:solidFill>
                   <a:schemeClr val="dk1"/>
                 </a:solidFill>
@@ -31477,18 +31745,42 @@
               <a:t>15 // 2		</a:t>
             </a:r>
             <a:r>
-              <a:rPr lang="en-GB">
-                <a:solidFill>
-                  <a:schemeClr val="dk1"/>
-                </a:solidFill>
-                <a:latin typeface="Segoe UI" panose="020B0502040204020203" pitchFamily="34" charset="0"/>
-                <a:ea typeface="等线" panose="02010600030101010101" pitchFamily="2" charset="-122"/>
-                <a:cs typeface="Quicksand"/>
-                <a:sym typeface="Quicksand"/>
-              </a:rPr>
-              <a:t>quotient of 15÷2 (value: 7)</a:t>
-            </a:r>
-            <a:endParaRPr>
+              <a:rPr lang="en-GB" dirty="0">
+                <a:solidFill>
+                  <a:schemeClr val="dk1"/>
+                </a:solidFill>
+                <a:latin typeface="Segoe UI" panose="020B0502040204020203" pitchFamily="34" charset="0"/>
+                <a:ea typeface="等线" panose="02010600030101010101" pitchFamily="2" charset="-122"/>
+                <a:cs typeface="Quicksand"/>
+                <a:sym typeface="Quicksand"/>
+              </a:rPr>
+              <a:t>15÷2</a:t>
+            </a:r>
+            <a:r>
+              <a:rPr lang="zh-CN" altLang="en-US" dirty="0">
+                <a:solidFill>
+                  <a:schemeClr val="dk1"/>
+                </a:solidFill>
+                <a:latin typeface="Segoe UI" panose="020B0502040204020203" pitchFamily="34" charset="0"/>
+                <a:ea typeface="等线" panose="02010600030101010101" pitchFamily="2" charset="-122"/>
+                <a:cs typeface="Quicksand"/>
+                <a:sym typeface="Quicksand"/>
+              </a:rPr>
+              <a:t>的商</a:t>
+            </a:r>
+            <a:r>
+              <a:rPr lang="en-GB" dirty="0">
+                <a:solidFill>
+                  <a:schemeClr val="dk1"/>
+                </a:solidFill>
+                <a:latin typeface="Segoe UI" panose="020B0502040204020203" pitchFamily="34" charset="0"/>
+                <a:ea typeface="等线" panose="02010600030101010101" pitchFamily="2" charset="-122"/>
+                <a:cs typeface="Quicksand"/>
+                <a:sym typeface="Quicksand"/>
+              </a:rPr>
+              <a:t> (value: 7)</a:t>
+            </a:r>
+            <a:endParaRPr dirty="0">
               <a:solidFill>
                 <a:srgbClr val="5B5BA5"/>
               </a:solidFill>
@@ -31512,7 +31804,7 @@
               <a:buNone/>
             </a:pPr>
             <a:r>
-              <a:rPr lang="en-GB">
+              <a:rPr lang="en-GB" dirty="0">
                 <a:solidFill>
                   <a:schemeClr val="dk1"/>
                 </a:solidFill>
@@ -31524,18 +31816,42 @@
               <a:t>15 % 2		</a:t>
             </a:r>
             <a:r>
-              <a:rPr lang="en-GB">
-                <a:solidFill>
-                  <a:schemeClr val="dk1"/>
-                </a:solidFill>
-                <a:latin typeface="Segoe UI" panose="020B0502040204020203" pitchFamily="34" charset="0"/>
-                <a:ea typeface="等线" panose="02010600030101010101" pitchFamily="2" charset="-122"/>
-                <a:cs typeface="Quicksand"/>
-                <a:sym typeface="Quicksand"/>
-              </a:rPr>
-              <a:t>remainder of 15÷2 (value: 1)</a:t>
-            </a:r>
-            <a:endParaRPr>
+              <a:rPr lang="en-GB" dirty="0">
+                <a:solidFill>
+                  <a:schemeClr val="dk1"/>
+                </a:solidFill>
+                <a:latin typeface="Segoe UI" panose="020B0502040204020203" pitchFamily="34" charset="0"/>
+                <a:ea typeface="等线" panose="02010600030101010101" pitchFamily="2" charset="-122"/>
+                <a:cs typeface="Quicksand"/>
+                <a:sym typeface="Quicksand"/>
+              </a:rPr>
+              <a:t>15÷2</a:t>
+            </a:r>
+            <a:r>
+              <a:rPr lang="zh-CN" altLang="en-US" dirty="0">
+                <a:solidFill>
+                  <a:schemeClr val="dk1"/>
+                </a:solidFill>
+                <a:latin typeface="Segoe UI" panose="020B0502040204020203" pitchFamily="34" charset="0"/>
+                <a:ea typeface="等线" panose="02010600030101010101" pitchFamily="2" charset="-122"/>
+                <a:cs typeface="Quicksand"/>
+                <a:sym typeface="Quicksand"/>
+              </a:rPr>
+              <a:t>的余数</a:t>
+            </a:r>
+            <a:r>
+              <a:rPr lang="en-GB" dirty="0">
+                <a:solidFill>
+                  <a:schemeClr val="dk1"/>
+                </a:solidFill>
+                <a:latin typeface="Segoe UI" panose="020B0502040204020203" pitchFamily="34" charset="0"/>
+                <a:ea typeface="等线" panose="02010600030101010101" pitchFamily="2" charset="-122"/>
+                <a:cs typeface="Quicksand"/>
+                <a:sym typeface="Quicksand"/>
+              </a:rPr>
+              <a:t> (value: 1)</a:t>
+            </a:r>
+            <a:endParaRPr dirty="0">
               <a:solidFill>
                 <a:srgbClr val="5B5BA5"/>
               </a:solidFill>
@@ -31559,7 +31875,7 @@
               <a:buNone/>
             </a:pPr>
             <a:r>
-              <a:rPr lang="en-GB">
+              <a:rPr lang="en-GB" dirty="0">
                 <a:solidFill>
                   <a:schemeClr val="dk1"/>
                 </a:solidFill>
@@ -31571,18 +31887,66 @@
               <a:t>2 ** 8		</a:t>
             </a:r>
             <a:r>
-              <a:rPr lang="en-GB">
-                <a:solidFill>
-                  <a:schemeClr val="dk1"/>
-                </a:solidFill>
-                <a:latin typeface="Segoe UI" panose="020B0502040204020203" pitchFamily="34" charset="0"/>
-                <a:ea typeface="等线" panose="02010600030101010101" pitchFamily="2" charset="-122"/>
-                <a:cs typeface="Quicksand"/>
-                <a:sym typeface="Quicksand"/>
-              </a:rPr>
-              <a:t>2 to the power of 8 (value: 256)</a:t>
-            </a:r>
-            <a:endParaRPr>
+              <a:rPr lang="en-GB" dirty="0">
+                <a:solidFill>
+                  <a:schemeClr val="dk1"/>
+                </a:solidFill>
+                <a:latin typeface="Segoe UI" panose="020B0502040204020203" pitchFamily="34" charset="0"/>
+                <a:ea typeface="等线" panose="02010600030101010101" pitchFamily="2" charset="-122"/>
+                <a:cs typeface="Quicksand"/>
+                <a:sym typeface="Quicksand"/>
+              </a:rPr>
+              <a:t>2 </a:t>
+            </a:r>
+            <a:r>
+              <a:rPr lang="zh-CN" altLang="en-US" dirty="0">
+                <a:solidFill>
+                  <a:schemeClr val="dk1"/>
+                </a:solidFill>
+                <a:latin typeface="Segoe UI" panose="020B0502040204020203" pitchFamily="34" charset="0"/>
+                <a:ea typeface="等线" panose="02010600030101010101" pitchFamily="2" charset="-122"/>
+                <a:cs typeface="Quicksand"/>
+                <a:sym typeface="Quicksand"/>
+              </a:rPr>
+              <a:t>的</a:t>
+            </a:r>
+            <a:r>
+              <a:rPr lang="en-GB" dirty="0">
+                <a:solidFill>
+                  <a:schemeClr val="dk1"/>
+                </a:solidFill>
+                <a:latin typeface="Segoe UI" panose="020B0502040204020203" pitchFamily="34" charset="0"/>
+                <a:ea typeface="等线" panose="02010600030101010101" pitchFamily="2" charset="-122"/>
+                <a:cs typeface="Quicksand"/>
+                <a:sym typeface="Quicksand"/>
+              </a:rPr>
+              <a:t>8</a:t>
+            </a:r>
+            <a:r>
+              <a:rPr lang="zh-CN" altLang="en-US" dirty="0">
+                <a:solidFill>
+                  <a:schemeClr val="dk1"/>
+                </a:solidFill>
+                <a:latin typeface="Segoe UI" panose="020B0502040204020203" pitchFamily="34" charset="0"/>
+                <a:ea typeface="等线" panose="02010600030101010101" pitchFamily="2" charset="-122"/>
+                <a:cs typeface="Quicksand"/>
+                <a:sym typeface="Quicksand"/>
+              </a:rPr>
+              <a:t>次幂</a:t>
+            </a:r>
+            <a:r>
+              <a:rPr lang="en-GB" dirty="0">
+                <a:solidFill>
+                  <a:schemeClr val="dk1"/>
+                </a:solidFill>
+                <a:latin typeface="Segoe UI" panose="020B0502040204020203" pitchFamily="34" charset="0"/>
+                <a:ea typeface="等线" panose="02010600030101010101" pitchFamily="2" charset="-122"/>
+                <a:cs typeface="Quicksand"/>
+                <a:sym typeface="Quicksand"/>
+              </a:rPr>
+              <a:t> (value: 256)</a:t>
+            </a:r>
+            <a:endParaRPr dirty="0">
               <a:solidFill>
                 <a:srgbClr val="5B5BA5"/>
               </a:solidFill>
@@ -31665,7 +32029,7 @@
               <a:buNone/>
             </a:pPr>
             <a:r>
-              <a:rPr lang="en-GB">
+              <a:rPr lang="en-GB" dirty="0">
                 <a:latin typeface="Segoe UI" panose="020B0502040204020203" pitchFamily="34" charset="0"/>
                 <a:ea typeface="等线" panose="02010600030101010101" pitchFamily="2" charset="-122"/>
                 <a:cs typeface="Roboto Mono"/>
@@ -31673,7 +32037,7 @@
               </a:rPr>
               <a:t>days = 7 * 31 + 4 * 30 + 28</a:t>
             </a:r>
-            <a:endParaRPr>
+            <a:endParaRPr dirty="0">
               <a:latin typeface="Segoe UI" panose="020B0502040204020203" pitchFamily="34" charset="0"/>
               <a:ea typeface="等线" panose="02010600030101010101" pitchFamily="2" charset="-122"/>
               <a:cs typeface="Roboto Mono"/>
@@ -31694,7 +32058,7 @@
               <a:buNone/>
             </a:pPr>
             <a:r>
-              <a:rPr lang="en-GB">
+              <a:rPr lang="en-GB" dirty="0">
                 <a:latin typeface="Segoe UI" panose="020B0502040204020203" pitchFamily="34" charset="0"/>
                 <a:ea typeface="等线" panose="02010600030101010101" pitchFamily="2" charset="-122"/>
                 <a:cs typeface="Roboto Mono"/>
@@ -31702,7 +32066,7 @@
               </a:rPr>
               <a:t>quad = 4 * days + 1</a:t>
             </a:r>
-            <a:endParaRPr>
+            <a:endParaRPr dirty="0">
               <a:latin typeface="Segoe UI" panose="020B0502040204020203" pitchFamily="34" charset="0"/>
               <a:ea typeface="等线" panose="02010600030101010101" pitchFamily="2" charset="-122"/>
               <a:cs typeface="Roboto Mono"/>
@@ -31710,28 +32074,39 @@
             </a:endParaRPr>
           </a:p>
           <a:p>
-            <a:pPr marL="0" lvl="0" indent="0" algn="l" rtl="0">
+            <a:pPr lvl="0">
               <a:lnSpc>
                 <a:spcPct val="115000"/>
               </a:lnSpc>
-              <a:spcBef>
-                <a:spcPts val="0"/>
-              </a:spcBef>
-              <a:spcAft>
-                <a:spcPts val="0"/>
-              </a:spcAft>
-              <a:buNone/>
             </a:pPr>
             <a:r>
-              <a:rPr lang="en-GB">
+              <a:rPr lang="en-GB" dirty="0">
                 <a:latin typeface="Segoe UI" panose="020B0502040204020203" pitchFamily="34" charset="0"/>
                 <a:ea typeface="等线" panose="02010600030101010101" pitchFamily="2" charset="-122"/>
                 <a:cs typeface="Roboto Mono"/>
                 <a:sym typeface="Roboto Mono"/>
               </a:rPr>
-              <a:t>print(quad, "days in four years")</a:t>
-            </a:r>
-            <a:endParaRPr>
+              <a:t>print(quad, "</a:t>
+            </a:r>
+            <a:r>
+              <a:rPr lang="zh-CN" altLang="en-US" dirty="0">
+                <a:latin typeface="Segoe UI" panose="020B0502040204020203" pitchFamily="34" charset="0"/>
+                <a:ea typeface="等线" panose="02010600030101010101" pitchFamily="2" charset="-122"/>
+                <a:cs typeface="Roboto Mono"/>
+                <a:sym typeface="Roboto Mono"/>
+              </a:rPr>
+              <a:t>四年中的天数</a:t>
+            </a:r>
+            <a:r>
+              <a:rPr lang="en-GB" dirty="0">
+                <a:latin typeface="Segoe UI" panose="020B0502040204020203" pitchFamily="34" charset="0"/>
+                <a:ea typeface="等线" panose="02010600030101010101" pitchFamily="2" charset="-122"/>
+                <a:cs typeface="Roboto Mono"/>
+                <a:sym typeface="Roboto Mono"/>
+              </a:rPr>
+              <a:t>")</a:t>
+            </a:r>
+            <a:endParaRPr dirty="0">
               <a:latin typeface="Segoe UI" panose="020B0502040204020203" pitchFamily="34" charset="0"/>
               <a:ea typeface="等线" panose="02010600030101010101" pitchFamily="2" charset="-122"/>
               <a:cs typeface="Roboto Mono"/>
@@ -31820,17 +32195,9 @@
           </a:bodyPr>
           <a:lstStyle/>
           <a:p>
-            <a:pPr marL="0" lvl="0" indent="0" algn="l" rtl="0">
-              <a:spcBef>
-                <a:spcPts val="0"/>
-              </a:spcBef>
-              <a:spcAft>
-                <a:spcPts val="0"/>
-              </a:spcAft>
-              <a:buNone/>
-            </a:pPr>
-            <a:r>
-              <a:rPr lang="en-GB" sz="2400" b="1">
+            <a:pPr lvl="0"/>
+            <a:r>
+              <a:rPr lang="zh-CN" altLang="en-US" sz="2400" b="1" dirty="0">
                 <a:solidFill>
                   <a:schemeClr val="accent6"/>
                 </a:solidFill>
@@ -31839,9 +32206,9 @@
                 <a:cs typeface="Quicksand"/>
                 <a:sym typeface="Quicksand"/>
               </a:rPr>
-              <a:t>Referring to variables</a:t>
-            </a:r>
-            <a:endParaRPr sz="2400" b="1">
+              <a:t>引用变量</a:t>
+            </a:r>
+            <a:endParaRPr sz="2400" b="1" dirty="0">
               <a:solidFill>
                 <a:schemeClr val="accent6"/>
               </a:solidFill>
@@ -31878,55 +32245,48 @@
           </a:bodyPr>
           <a:lstStyle/>
           <a:p>
-            <a:pPr marL="0" lvl="0" indent="0" algn="l" rtl="0">
+            <a:pPr lvl="0">
               <a:lnSpc>
                 <a:spcPct val="114000"/>
               </a:lnSpc>
-              <a:spcBef>
-                <a:spcPts val="0"/>
-              </a:spcBef>
-              <a:spcAft>
-                <a:spcPts val="0"/>
-              </a:spcAft>
-              <a:buNone/>
             </a:pPr>
             <a:r>
-              <a:rPr lang="en-GB">
-                <a:solidFill>
-                  <a:schemeClr val="dk1"/>
-                </a:solidFill>
-                <a:latin typeface="Segoe UI" panose="020B0502040204020203" pitchFamily="34" charset="0"/>
-                <a:ea typeface="等线" panose="02010600030101010101" pitchFamily="2" charset="-122"/>
-                <a:cs typeface="Quicksand"/>
-                <a:sym typeface="Quicksand"/>
-              </a:rPr>
-              <a:t>An expression can </a:t>
-            </a:r>
-            <a:r>
-              <a:rPr lang="en-GB" b="1">
-                <a:solidFill>
-                  <a:schemeClr val="dk1"/>
-                </a:solidFill>
-                <a:latin typeface="Segoe UI" panose="020B0502040204020203" pitchFamily="34" charset="0"/>
-                <a:ea typeface="等线" panose="02010600030101010101" pitchFamily="2" charset="-122"/>
-                <a:cs typeface="Quicksand"/>
-                <a:sym typeface="Quicksand"/>
-              </a:rPr>
-              <a:t>refer</a:t>
-            </a:r>
-            <a:r>
-              <a:rPr lang="en-GB">
-                <a:solidFill>
-                  <a:schemeClr val="dk1"/>
-                </a:solidFill>
-                <a:latin typeface="Segoe UI" panose="020B0502040204020203" pitchFamily="34" charset="0"/>
-                <a:ea typeface="等线" panose="02010600030101010101" pitchFamily="2" charset="-122"/>
-                <a:cs typeface="Quicksand"/>
-                <a:sym typeface="Quicksand"/>
-              </a:rPr>
-              <a:t> to the values of variables.</a:t>
-            </a:r>
-            <a:endParaRPr>
+              <a:rPr lang="zh-CN" altLang="en-US" dirty="0">
+                <a:solidFill>
+                  <a:schemeClr val="dk1"/>
+                </a:solidFill>
+                <a:latin typeface="Segoe UI" panose="020B0502040204020203" pitchFamily="34" charset="0"/>
+                <a:ea typeface="等线" panose="02010600030101010101" pitchFamily="2" charset="-122"/>
+                <a:cs typeface="Quicksand"/>
+                <a:sym typeface="Quicksand"/>
+              </a:rPr>
+              <a:t>表达式可以</a:t>
+            </a:r>
+            <a:r>
+              <a:rPr lang="zh-CN" altLang="en-US" b="1" dirty="0">
+                <a:solidFill>
+                  <a:schemeClr val="dk1"/>
+                </a:solidFill>
+                <a:latin typeface="Segoe UI" panose="020B0502040204020203" pitchFamily="34" charset="0"/>
+                <a:ea typeface="等线" panose="02010600030101010101" pitchFamily="2" charset="-122"/>
+                <a:cs typeface="Quicksand"/>
+                <a:sym typeface="Quicksand"/>
+              </a:rPr>
+              <a:t>引用</a:t>
+            </a:r>
+            <a:r>
+              <a:rPr lang="zh-CN" altLang="en-US" dirty="0">
+                <a:solidFill>
+                  <a:schemeClr val="dk1"/>
+                </a:solidFill>
+                <a:latin typeface="Segoe UI" panose="020B0502040204020203" pitchFamily="34" charset="0"/>
+                <a:ea typeface="等线" panose="02010600030101010101" pitchFamily="2" charset="-122"/>
+                <a:cs typeface="Quicksand"/>
+                <a:sym typeface="Quicksand"/>
+              </a:rPr>
+              <a:t>变量的值。</a:t>
+            </a:r>
+            <a:endParaRPr dirty="0">
               <a:solidFill>
                 <a:schemeClr val="dk1"/>
               </a:solidFill>
@@ -31965,20 +32325,13 @@
           </a:bodyPr>
           <a:lstStyle/>
           <a:p>
-            <a:pPr marL="0" lvl="0" indent="0" algn="l" rtl="0">
+            <a:pPr lvl="0">
               <a:lnSpc>
                 <a:spcPct val="114000"/>
               </a:lnSpc>
-              <a:spcBef>
-                <a:spcPts val="0"/>
-              </a:spcBef>
-              <a:spcAft>
-                <a:spcPts val="0"/>
-              </a:spcAft>
-              <a:buNone/>
             </a:pPr>
             <a:r>
-              <a:rPr lang="en-GB">
+              <a:rPr lang="zh-CN" altLang="en-US" dirty="0">
                 <a:solidFill>
                   <a:srgbClr val="FFFFFF"/>
                 </a:solidFill>
@@ -31987,9 +32340,9 @@
                 <a:cs typeface="Quicksand"/>
                 <a:sym typeface="Quicksand"/>
               </a:rPr>
-              <a:t>During program execution, a variable must have been assigned a value before that value is referred to.</a:t>
-            </a:r>
-            <a:endParaRPr>
+              <a:t>在程序执行期间，必须先为变量赋值，然后才能引用该值。</a:t>
+            </a:r>
+            <a:endParaRPr dirty="0">
               <a:solidFill>
                 <a:srgbClr val="FFFFFF"/>
               </a:solidFill>
@@ -31998,48 +32351,6 @@
               <a:cs typeface="Quicksand"/>
               <a:sym typeface="Quicksand"/>
             </a:endParaRPr>
-          </a:p>
-        </p:txBody>
-      </p:sp>
-      <p:sp>
-        <p:nvSpPr>
-          <p:cNvPr id="178" name="Google Shape;178;p20"/>
-          <p:cNvSpPr/>
-          <p:nvPr/>
-        </p:nvSpPr>
-        <p:spPr>
-          <a:xfrm>
-            <a:off x="1098722" y="1603125"/>
-            <a:ext cx="1413600" cy="271500"/>
-          </a:xfrm>
-          <a:prstGeom prst="rect">
-            <a:avLst/>
-          </a:prstGeom>
-          <a:solidFill>
-            <a:srgbClr val="5B5BA5">
-              <a:alpha val="25099"/>
-            </a:srgbClr>
-          </a:solidFill>
-          <a:ln>
-            <a:noFill/>
-          </a:ln>
-        </p:spPr>
-        <p:txBody>
-          <a:bodyPr spcFirstLastPara="1" wrap="square" lIns="91425" tIns="91425" rIns="91425" bIns="91425" anchor="ctr" anchorCtr="0">
-            <a:noAutofit/>
-          </a:bodyPr>
-          <a:lstStyle/>
-          <a:p>
-            <a:pPr marL="0" lvl="0" indent="0" algn="l" rtl="0">
-              <a:spcBef>
-                <a:spcPts val="0"/>
-              </a:spcBef>
-              <a:spcAft>
-                <a:spcPts val="0"/>
-              </a:spcAft>
-              <a:buNone/>
-            </a:pPr>
-            <a:endParaRPr/>
           </a:p>
         </p:txBody>
       </p:sp>
@@ -32068,55 +32379,48 @@
           </a:bodyPr>
           <a:lstStyle/>
           <a:p>
-            <a:pPr marL="0" lvl="0" indent="0" algn="l" rtl="0">
+            <a:pPr lvl="0">
               <a:lnSpc>
                 <a:spcPct val="114000"/>
               </a:lnSpc>
-              <a:spcBef>
-                <a:spcPts val="0"/>
-              </a:spcBef>
-              <a:spcAft>
-                <a:spcPts val="0"/>
-              </a:spcAft>
-              <a:buNone/>
             </a:pPr>
             <a:r>
-              <a:rPr lang="en-GB">
-                <a:solidFill>
-                  <a:schemeClr val="dk1"/>
-                </a:solidFill>
-                <a:latin typeface="Segoe UI" panose="020B0502040204020203" pitchFamily="34" charset="0"/>
-                <a:ea typeface="等线" panose="02010600030101010101" pitchFamily="2" charset="-122"/>
-                <a:cs typeface="Quicksand"/>
-                <a:sym typeface="Quicksand"/>
-              </a:rPr>
-              <a:t>To evaluate this expression, the </a:t>
-            </a:r>
-            <a:r>
-              <a:rPr lang="en-GB">
-                <a:solidFill>
-                  <a:schemeClr val="dk1"/>
-                </a:solidFill>
-                <a:latin typeface="Segoe UI" panose="020B0502040204020203" pitchFamily="34" charset="0"/>
-                <a:ea typeface="等线" panose="02010600030101010101" pitchFamily="2" charset="-122"/>
-                <a:cs typeface="Roboto Mono"/>
-                <a:sym typeface="Roboto Mono"/>
-              </a:rPr>
-              <a:t>days</a:t>
-            </a:r>
-            <a:r>
-              <a:rPr lang="en-GB">
-                <a:solidFill>
-                  <a:schemeClr val="dk1"/>
-                </a:solidFill>
-                <a:latin typeface="Segoe UI" panose="020B0502040204020203" pitchFamily="34" charset="0"/>
-                <a:ea typeface="等线" panose="02010600030101010101" pitchFamily="2" charset="-122"/>
-                <a:cs typeface="Quicksand"/>
-                <a:sym typeface="Quicksand"/>
-              </a:rPr>
-              <a:t> variable must have been assigned a value. </a:t>
-            </a:r>
-            <a:endParaRPr>
+              <a:rPr lang="zh-CN" altLang="en-US" dirty="0">
+                <a:solidFill>
+                  <a:schemeClr val="dk1"/>
+                </a:solidFill>
+                <a:latin typeface="Segoe UI" panose="020B0502040204020203" pitchFamily="34" charset="0"/>
+                <a:ea typeface="等线" panose="02010600030101010101" pitchFamily="2" charset="-122"/>
+                <a:cs typeface="Quicksand"/>
+                <a:sym typeface="Quicksand"/>
+              </a:rPr>
+              <a:t>若要计算此表达式，必须为 </a:t>
+            </a:r>
+            <a:r>
+              <a:rPr lang="en-US" altLang="zh-CN" dirty="0">
+                <a:solidFill>
+                  <a:schemeClr val="dk1"/>
+                </a:solidFill>
+                <a:latin typeface="Segoe UI" panose="020B0502040204020203" pitchFamily="34" charset="0"/>
+                <a:ea typeface="等线" panose="02010600030101010101" pitchFamily="2" charset="-122"/>
+                <a:cs typeface="Quicksand"/>
+                <a:sym typeface="Quicksand"/>
+              </a:rPr>
+              <a:t>days </a:t>
+            </a:r>
+            <a:r>
+              <a:rPr lang="zh-CN" altLang="en-US" dirty="0">
+                <a:solidFill>
+                  <a:schemeClr val="dk1"/>
+                </a:solidFill>
+                <a:latin typeface="Segoe UI" panose="020B0502040204020203" pitchFamily="34" charset="0"/>
+                <a:ea typeface="等线" panose="02010600030101010101" pitchFamily="2" charset="-122"/>
+                <a:cs typeface="Quicksand"/>
+                <a:sym typeface="Quicksand"/>
+              </a:rPr>
+              <a:t>变量赋值。</a:t>
+            </a:r>
+            <a:endParaRPr dirty="0">
               <a:solidFill>
                 <a:schemeClr val="dk1"/>
               </a:solidFill>
@@ -32268,33 +32572,6 @@
                                   </p:childTnLst>
                                 </p:cTn>
                               </p:par>
-                              <p:par>
-                                <p:cTn id="7" presetID="1" presetClass="entr" presetSubtype="0" fill="hold" nodeType="withEffect">
-                                  <p:stCondLst>
-                                    <p:cond delay="0"/>
-                                  </p:stCondLst>
-                                  <p:childTnLst>
-                                    <p:set>
-                                      <p:cBhvr>
-                                        <p:cTn id="8" dur="1" fill="hold">
-                                          <p:stCondLst>
-                                            <p:cond delay="0"/>
-                                          </p:stCondLst>
-                                        </p:cTn>
-                                        <p:tgtEl>
-                                          <p:spTgt spid="178"/>
-                                        </p:tgtEl>
-                                        <p:attrNameLst>
-                                          <p:attrName>style.visibility</p:attrName>
-                                        </p:attrNameLst>
-                                      </p:cBhvr>
-                                      <p:to>
-                                        <p:strVal val="visible"/>
-                                      </p:to>
-                                    </p:set>
-                                  </p:childTnLst>
-                                </p:cTn>
-                              </p:par>
                             </p:childTnLst>
                           </p:cTn>
                         </p:par>
@@ -32302,26 +32579,26 @@
                     </p:cTn>
                   </p:par>
                   <p:par>
-                    <p:cTn id="9" fill="hold">
+                    <p:cTn id="7" fill="hold">
                       <p:stCondLst>
                         <p:cond delay="indefinite"/>
                       </p:stCondLst>
                       <p:childTnLst>
                         <p:par>
-                          <p:cTn id="10" fill="hold">
+                          <p:cTn id="8" fill="hold">
                             <p:stCondLst>
                               <p:cond delay="0"/>
                             </p:stCondLst>
                             <p:childTnLst>
                               <p:par>
-                                <p:cTn id="11" presetID="1" presetClass="entr" presetSubtype="0" fill="hold" nodeType="clickEffect">
+                                <p:cTn id="9" presetID="1" presetClass="entr" presetSubtype="0" fill="hold" nodeType="clickEffect">
                                   <p:stCondLst>
                                     <p:cond delay="0"/>
                                   </p:stCondLst>
                                   <p:childTnLst>
                                     <p:set>
                                       <p:cBhvr>
-                                        <p:cTn id="12" dur="1" fill="hold">
+                                        <p:cTn id="10" dur="1" fill="hold">
                                           <p:stCondLst>
                                             <p:cond delay="0"/>
                                           </p:stCondLst>
@@ -32347,26 +32624,26 @@
                     </p:cTn>
                   </p:par>
                   <p:par>
-                    <p:cTn id="13" fill="hold">
+                    <p:cTn id="11" fill="hold">
                       <p:stCondLst>
                         <p:cond delay="indefinite"/>
                       </p:stCondLst>
                       <p:childTnLst>
                         <p:par>
-                          <p:cTn id="14" fill="hold">
+                          <p:cTn id="12" fill="hold">
                             <p:stCondLst>
                               <p:cond delay="0"/>
                             </p:stCondLst>
                             <p:childTnLst>
                               <p:par>
-                                <p:cTn id="15" presetID="1" presetClass="entr" presetSubtype="0" fill="hold" nodeType="clickEffect">
+                                <p:cTn id="13" presetID="1" presetClass="entr" presetSubtype="0" fill="hold" nodeType="clickEffect">
                                   <p:stCondLst>
                                     <p:cond delay="0"/>
                                   </p:stCondLst>
                                   <p:childTnLst>
                                     <p:set>
                                       <p:cBhvr>
-                                        <p:cTn id="16" dur="1" fill="hold">
+                                        <p:cTn id="14" dur="1" fill="hold">
                                           <p:stCondLst>
                                             <p:cond delay="0"/>
                                           </p:stCondLst>
@@ -32380,33 +32657,6 @@
                                       </p:cBhvr>
                                       <p:to>
                                         <p:strVal val="visible"/>
-                                      </p:to>
-                                    </p:set>
-                                  </p:childTnLst>
-                                </p:cTn>
-                              </p:par>
-                              <p:par>
-                                <p:cTn id="17" presetID="1" presetClass="exit" presetSubtype="0" fill="hold" nodeType="withEffect">
-                                  <p:stCondLst>
-                                    <p:cond delay="0"/>
-                                  </p:stCondLst>
-                                  <p:childTnLst>
-                                    <p:set>
-                                      <p:cBhvr>
-                                        <p:cTn id="18" dur="1" fill="hold">
-                                          <p:stCondLst>
-                                            <p:cond delay="0"/>
-                                          </p:stCondLst>
-                                        </p:cTn>
-                                        <p:tgtEl>
-                                          <p:spTgt spid="178"/>
-                                        </p:tgtEl>
-                                        <p:attrNameLst>
-                                          <p:attrName>style.visibility</p:attrName>
-                                        </p:attrNameLst>
-                                      </p:cBhvr>
-                                      <p:to>
-                                        <p:strVal val="hidden"/>
                                       </p:to>
                                     </p:set>
                                   </p:childTnLst>
